--- a/TranLogDemoSummit/IntroToTheTranLogFinalDraft.pptx
+++ b/TranLogDemoSummit/IntroToTheTranLogFinalDraft.pptx
@@ -5,10 +5,10 @@
     <p:sldMasterId id="2147483648" r:id="rId1"/>
   </p:sldMasterIdLst>
   <p:notesMasterIdLst>
-    <p:notesMasterId r:id="rId45"/>
+    <p:notesMasterId r:id="rId46"/>
   </p:notesMasterIdLst>
   <p:handoutMasterIdLst>
-    <p:handoutMasterId r:id="rId46"/>
+    <p:handoutMasterId r:id="rId47"/>
   </p:handoutMasterIdLst>
   <p:sldIdLst>
     <p:sldId id="321" r:id="rId2"/>
@@ -17,43 +17,44 @@
     <p:sldId id="315" r:id="rId5"/>
     <p:sldId id="310" r:id="rId6"/>
     <p:sldId id="326" r:id="rId7"/>
-    <p:sldId id="327" r:id="rId8"/>
-    <p:sldId id="328" r:id="rId9"/>
-    <p:sldId id="329" r:id="rId10"/>
-    <p:sldId id="330" r:id="rId11"/>
-    <p:sldId id="331" r:id="rId12"/>
-    <p:sldId id="332" r:id="rId13"/>
-    <p:sldId id="333" r:id="rId14"/>
-    <p:sldId id="334" r:id="rId15"/>
-    <p:sldId id="335" r:id="rId16"/>
-    <p:sldId id="336" r:id="rId17"/>
-    <p:sldId id="337" r:id="rId18"/>
-    <p:sldId id="338" r:id="rId19"/>
-    <p:sldId id="358" r:id="rId20"/>
-    <p:sldId id="339" r:id="rId21"/>
-    <p:sldId id="340" r:id="rId22"/>
-    <p:sldId id="341" r:id="rId23"/>
-    <p:sldId id="342" r:id="rId24"/>
-    <p:sldId id="343" r:id="rId25"/>
-    <p:sldId id="344" r:id="rId26"/>
-    <p:sldId id="345" r:id="rId27"/>
-    <p:sldId id="346" r:id="rId28"/>
-    <p:sldId id="347" r:id="rId29"/>
-    <p:sldId id="348" r:id="rId30"/>
-    <p:sldId id="360" r:id="rId31"/>
-    <p:sldId id="361" r:id="rId32"/>
-    <p:sldId id="359" r:id="rId33"/>
-    <p:sldId id="349" r:id="rId34"/>
-    <p:sldId id="350" r:id="rId35"/>
-    <p:sldId id="351" r:id="rId36"/>
-    <p:sldId id="352" r:id="rId37"/>
-    <p:sldId id="353" r:id="rId38"/>
-    <p:sldId id="354" r:id="rId39"/>
-    <p:sldId id="355" r:id="rId40"/>
-    <p:sldId id="356" r:id="rId41"/>
-    <p:sldId id="357" r:id="rId42"/>
-    <p:sldId id="324" r:id="rId43"/>
-    <p:sldId id="362" r:id="rId44"/>
+    <p:sldId id="363" r:id="rId8"/>
+    <p:sldId id="327" r:id="rId9"/>
+    <p:sldId id="328" r:id="rId10"/>
+    <p:sldId id="329" r:id="rId11"/>
+    <p:sldId id="330" r:id="rId12"/>
+    <p:sldId id="331" r:id="rId13"/>
+    <p:sldId id="332" r:id="rId14"/>
+    <p:sldId id="333" r:id="rId15"/>
+    <p:sldId id="334" r:id="rId16"/>
+    <p:sldId id="335" r:id="rId17"/>
+    <p:sldId id="336" r:id="rId18"/>
+    <p:sldId id="337" r:id="rId19"/>
+    <p:sldId id="338" r:id="rId20"/>
+    <p:sldId id="358" r:id="rId21"/>
+    <p:sldId id="339" r:id="rId22"/>
+    <p:sldId id="340" r:id="rId23"/>
+    <p:sldId id="341" r:id="rId24"/>
+    <p:sldId id="342" r:id="rId25"/>
+    <p:sldId id="343" r:id="rId26"/>
+    <p:sldId id="344" r:id="rId27"/>
+    <p:sldId id="345" r:id="rId28"/>
+    <p:sldId id="346" r:id="rId29"/>
+    <p:sldId id="347" r:id="rId30"/>
+    <p:sldId id="348" r:id="rId31"/>
+    <p:sldId id="360" r:id="rId32"/>
+    <p:sldId id="361" r:id="rId33"/>
+    <p:sldId id="359" r:id="rId34"/>
+    <p:sldId id="349" r:id="rId35"/>
+    <p:sldId id="350" r:id="rId36"/>
+    <p:sldId id="351" r:id="rId37"/>
+    <p:sldId id="352" r:id="rId38"/>
+    <p:sldId id="353" r:id="rId39"/>
+    <p:sldId id="354" r:id="rId40"/>
+    <p:sldId id="355" r:id="rId41"/>
+    <p:sldId id="356" r:id="rId42"/>
+    <p:sldId id="357" r:id="rId43"/>
+    <p:sldId id="324" r:id="rId44"/>
+    <p:sldId id="362" r:id="rId45"/>
   </p:sldIdLst>
   <p:sldSz cx="9144000" cy="5143500" type="screen16x9"/>
   <p:notesSz cx="6858000" cy="9144000"/>
@@ -163,6 +164,7 @@
             <p14:sldId id="315"/>
             <p14:sldId id="310"/>
             <p14:sldId id="326"/>
+            <p14:sldId id="363"/>
             <p14:sldId id="327"/>
             <p14:sldId id="328"/>
             <p14:sldId id="329"/>
@@ -11803,9 +11805,10 @@
           <a:lstStyle/>
           <a:p>
             <a:r>
-              <a:rPr lang="en-US" dirty="0"/>
-              <a:t>Transaction Log Architecture</a:t>
-            </a:r>
+              <a:rPr lang="en-CA" dirty="0"/>
+              <a:t>ACID Properties	</a:t>
+            </a:r>
+            <a:endParaRPr lang="en-US" dirty="0"/>
           </a:p>
         </p:txBody>
       </p:sp>
@@ -11829,27 +11832,107 @@
           <a:bodyPr/>
           <a:lstStyle/>
           <a:p>
-            <a:r>
-              <a:rPr lang="en-US" dirty="0"/>
-              <a:t>Physical transaction log file allocated on disk (.ldf)</a:t>
-            </a:r>
-          </a:p>
-          <a:p>
-            <a:r>
-              <a:rPr lang="en-US" dirty="0"/>
-              <a:t>Physical file divided into virtual log files (VLF)</a:t>
-            </a:r>
-          </a:p>
-          <a:p>
-            <a:r>
-              <a:rPr lang="en-US" dirty="0"/>
-              <a:t>VLFs are designed to be reused</a:t>
-            </a:r>
-          </a:p>
-          <a:p>
-            <a:r>
-              <a:rPr lang="en-US" dirty="0"/>
-              <a:t>Transaction log is designed to be a circular file</a:t>
+            <a:pPr lvl="0">
+              <a:buClr>
+                <a:srgbClr val="33C0CD"/>
+              </a:buClr>
+            </a:pPr>
+            <a:r>
+              <a:rPr lang="en-US" sz="2800" dirty="0">
+                <a:solidFill>
+                  <a:srgbClr val="F0493E"/>
+                </a:solidFill>
+                <a:latin typeface="Segoe UI Light" charset="0"/>
+                <a:cs typeface="Segoe UI Light" charset="0"/>
+              </a:rPr>
+              <a:t>Atomicity</a:t>
+            </a:r>
+          </a:p>
+          <a:p>
+            <a:pPr marL="0" lvl="1" indent="0">
+              <a:buNone/>
+            </a:pPr>
+            <a:r>
+              <a:rPr lang="en-CA" dirty="0"/>
+              <a:t>Transactions are all-or-nothing</a:t>
+            </a:r>
+          </a:p>
+          <a:p>
+            <a:pPr lvl="0">
+              <a:buClr>
+                <a:srgbClr val="33C0CD"/>
+              </a:buClr>
+            </a:pPr>
+            <a:r>
+              <a:rPr lang="en-US" sz="2800" dirty="0">
+                <a:solidFill>
+                  <a:srgbClr val="F0493E"/>
+                </a:solidFill>
+                <a:latin typeface="Segoe UI Light" charset="0"/>
+                <a:cs typeface="Segoe UI Light" charset="0"/>
+              </a:rPr>
+              <a:t>Consistency</a:t>
+            </a:r>
+          </a:p>
+          <a:p>
+            <a:pPr marL="0" lvl="1" indent="0">
+              <a:buNone/>
+            </a:pPr>
+            <a:r>
+              <a:rPr lang="en-CA" dirty="0"/>
+              <a:t>Transactions must leave the database in a consistent state</a:t>
+            </a:r>
+          </a:p>
+          <a:p>
+            <a:pPr lvl="0">
+              <a:buClr>
+                <a:srgbClr val="33C0CD"/>
+              </a:buClr>
+            </a:pPr>
+            <a:r>
+              <a:rPr lang="en-US" sz="2800" dirty="0">
+                <a:solidFill>
+                  <a:srgbClr val="F0493E"/>
+                </a:solidFill>
+                <a:latin typeface="Segoe UI Light" charset="0"/>
+                <a:cs typeface="Segoe UI Light" charset="0"/>
+              </a:rPr>
+              <a:t>Isolation</a:t>
+            </a:r>
+          </a:p>
+          <a:p>
+            <a:pPr marL="0" lvl="1" indent="0">
+              <a:buNone/>
+            </a:pPr>
+            <a:r>
+              <a:rPr lang="en-CA" dirty="0"/>
+              <a:t>Transaction cannot conflict with one another </a:t>
+            </a:r>
+          </a:p>
+          <a:p>
+            <a:pPr lvl="0">
+              <a:buClr>
+                <a:srgbClr val="33C0CD"/>
+              </a:buClr>
+            </a:pPr>
+            <a:r>
+              <a:rPr lang="en-US" sz="2800" dirty="0">
+                <a:solidFill>
+                  <a:srgbClr val="F0493E"/>
+                </a:solidFill>
+                <a:latin typeface="Segoe UI Light" charset="0"/>
+                <a:cs typeface="Segoe UI Light" charset="0"/>
+              </a:rPr>
+              <a:t>Durability</a:t>
+            </a:r>
+          </a:p>
+          <a:p>
+            <a:pPr marL="0" lvl="1" indent="0">
+              <a:buNone/>
+            </a:pPr>
+            <a:r>
+              <a:rPr lang="en-CA" dirty="0"/>
+              <a:t>A committed transaction must be persisted</a:t>
             </a:r>
           </a:p>
           <a:p>
@@ -11860,7 +11943,7 @@
     </p:spTree>
     <p:extLst>
       <p:ext uri="{BB962C8B-B14F-4D97-AF65-F5344CB8AC3E}">
-        <p14:creationId xmlns:p14="http://schemas.microsoft.com/office/powerpoint/2010/main" val="314311981"/>
+        <p14:creationId xmlns:p14="http://schemas.microsoft.com/office/powerpoint/2010/main" val="1845504727"/>
       </p:ext>
     </p:extLst>
   </p:cSld>
@@ -11904,6 +11987,106 @@
           <a:p>
             <a:r>
               <a:rPr lang="en-US" dirty="0"/>
+              <a:t>Transaction Log Architecture</a:t>
+            </a:r>
+          </a:p>
+        </p:txBody>
+      </p:sp>
+      <p:sp>
+        <p:nvSpPr>
+          <p:cNvPr id="47" name="Content Placeholder 46"/>
+          <p:cNvSpPr>
+            <a:spLocks noGrp="1"/>
+          </p:cNvSpPr>
+          <p:nvPr>
+            <p:ph sz="quarter" idx="11"/>
+          </p:nvPr>
+        </p:nvSpPr>
+        <p:spPr>
+          <a:xfrm>
+            <a:off x="322028" y="1002323"/>
+            <a:ext cx="8261350" cy="407104"/>
+          </a:xfrm>
+        </p:spPr>
+        <p:txBody>
+          <a:bodyPr/>
+          <a:lstStyle/>
+          <a:p>
+            <a:r>
+              <a:rPr lang="en-US" dirty="0"/>
+              <a:t>Physical transaction log file allocated on disk (.ldf)</a:t>
+            </a:r>
+          </a:p>
+          <a:p>
+            <a:r>
+              <a:rPr lang="en-US" dirty="0"/>
+              <a:t>Physical file divided into virtual log files (VLF)</a:t>
+            </a:r>
+          </a:p>
+          <a:p>
+            <a:r>
+              <a:rPr lang="en-US" dirty="0"/>
+              <a:t>VLFs are designed to be reused</a:t>
+            </a:r>
+          </a:p>
+          <a:p>
+            <a:r>
+              <a:rPr lang="en-US" dirty="0"/>
+              <a:t>Transaction log is designed to be a circular file</a:t>
+            </a:r>
+          </a:p>
+          <a:p>
+            <a:endParaRPr lang="en-US" dirty="0"/>
+          </a:p>
+        </p:txBody>
+      </p:sp>
+    </p:spTree>
+    <p:extLst>
+      <p:ext uri="{BB962C8B-B14F-4D97-AF65-F5344CB8AC3E}">
+        <p14:creationId xmlns:p14="http://schemas.microsoft.com/office/powerpoint/2010/main" val="314311981"/>
+      </p:ext>
+    </p:extLst>
+  </p:cSld>
+  <p:clrMapOvr>
+    <a:masterClrMapping/>
+  </p:clrMapOvr>
+</p:sld>
+</file>
+
+<file path=ppt/slides/slide12.xml><?xml version="1.0" encoding="utf-8"?>
+<p:sld xmlns:a="http://schemas.openxmlformats.org/drawingml/2006/main" xmlns:r="http://schemas.openxmlformats.org/officeDocument/2006/relationships" xmlns:p="http://schemas.openxmlformats.org/presentationml/2006/main">
+  <p:cSld>
+    <p:spTree>
+      <p:nvGrpSpPr>
+        <p:cNvPr id="1" name=""/>
+        <p:cNvGrpSpPr/>
+        <p:nvPr/>
+      </p:nvGrpSpPr>
+      <p:grpSpPr>
+        <a:xfrm>
+          <a:off x="0" y="0"/>
+          <a:ext cx="0" cy="0"/>
+          <a:chOff x="0" y="0"/>
+          <a:chExt cx="0" cy="0"/>
+        </a:xfrm>
+      </p:grpSpPr>
+      <p:sp>
+        <p:nvSpPr>
+          <p:cNvPr id="38" name="Title 37"/>
+          <p:cNvSpPr>
+            <a:spLocks noGrp="1"/>
+          </p:cNvSpPr>
+          <p:nvPr>
+            <p:ph type="title"/>
+          </p:nvPr>
+        </p:nvSpPr>
+        <p:spPr/>
+        <p:txBody>
+          <a:bodyPr/>
+          <a:lstStyle/>
+          <a:p>
+            <a:r>
+              <a:rPr lang="en-US" dirty="0"/>
               <a:t>Virtual Log Files</a:t>
             </a:r>
           </a:p>
@@ -11970,7 +12153,7 @@
 </p:sld>
 </file>
 
-<file path=ppt/slides/slide12.xml><?xml version="1.0" encoding="utf-8"?>
+<file path=ppt/slides/slide13.xml><?xml version="1.0" encoding="utf-8"?>
 <p:sld xmlns:a="http://schemas.openxmlformats.org/drawingml/2006/main" xmlns:r="http://schemas.openxmlformats.org/officeDocument/2006/relationships" xmlns:p="http://schemas.openxmlformats.org/presentationml/2006/main">
   <p:cSld>
     <p:spTree>
@@ -12608,7 +12791,7 @@
 </p:sld>
 </file>
 
-<file path=ppt/slides/slide13.xml><?xml version="1.0" encoding="utf-8"?>
+<file path=ppt/slides/slide14.xml><?xml version="1.0" encoding="utf-8"?>
 <p:sld xmlns:a="http://schemas.openxmlformats.org/drawingml/2006/main" xmlns:r="http://schemas.openxmlformats.org/officeDocument/2006/relationships" xmlns:p="http://schemas.openxmlformats.org/presentationml/2006/main">
   <p:cSld>
     <p:spTree>
@@ -13342,7 +13525,7 @@
 </p:sld>
 </file>
 
-<file path=ppt/slides/slide14.xml><?xml version="1.0" encoding="utf-8"?>
+<file path=ppt/slides/slide15.xml><?xml version="1.0" encoding="utf-8"?>
 <p:sld xmlns:a="http://schemas.openxmlformats.org/drawingml/2006/main" xmlns:r="http://schemas.openxmlformats.org/officeDocument/2006/relationships" xmlns:p="http://schemas.openxmlformats.org/presentationml/2006/main">
   <p:cSld>
     <p:spTree>
@@ -14179,7 +14362,7 @@
 </p:sld>
 </file>
 
-<file path=ppt/slides/slide15.xml><?xml version="1.0" encoding="utf-8"?>
+<file path=ppt/slides/slide16.xml><?xml version="1.0" encoding="utf-8"?>
 <p:sld xmlns:a="http://schemas.openxmlformats.org/drawingml/2006/main" xmlns:r="http://schemas.openxmlformats.org/officeDocument/2006/relationships" xmlns:p="http://schemas.openxmlformats.org/presentationml/2006/main">
   <p:cSld>
     <p:spTree>
@@ -15080,7 +15263,7 @@
 </p:sld>
 </file>
 
-<file path=ppt/slides/slide16.xml><?xml version="1.0" encoding="utf-8"?>
+<file path=ppt/slides/slide17.xml><?xml version="1.0" encoding="utf-8"?>
 <p:sld xmlns:a="http://schemas.openxmlformats.org/drawingml/2006/main" xmlns:r="http://schemas.openxmlformats.org/officeDocument/2006/relationships" xmlns:p="http://schemas.openxmlformats.org/presentationml/2006/main">
   <p:cSld>
     <p:spTree>
@@ -15771,7 +15954,7 @@
 </p:sld>
 </file>
 
-<file path=ppt/slides/slide17.xml><?xml version="1.0" encoding="utf-8"?>
+<file path=ppt/slides/slide18.xml><?xml version="1.0" encoding="utf-8"?>
 <p:sld xmlns:a="http://schemas.openxmlformats.org/drawingml/2006/main" xmlns:r="http://schemas.openxmlformats.org/officeDocument/2006/relationships" xmlns:p="http://schemas.openxmlformats.org/presentationml/2006/main">
   <p:cSld>
     <p:spTree>
@@ -16657,7 +16840,7 @@
 </p:sld>
 </file>
 
-<file path=ppt/slides/slide18.xml><?xml version="1.0" encoding="utf-8"?>
+<file path=ppt/slides/slide19.xml><?xml version="1.0" encoding="utf-8"?>
 <p:sld xmlns:a="http://schemas.openxmlformats.org/drawingml/2006/main" xmlns:r="http://schemas.openxmlformats.org/officeDocument/2006/relationships" xmlns:p="http://schemas.openxmlformats.org/presentationml/2006/main">
   <p:cSld>
     <p:spTree>
@@ -17579,895 +17762,6 @@
 </p:sld>
 </file>
 
-<file path=ppt/slides/slide19.xml><?xml version="1.0" encoding="utf-8"?>
-<p:sld xmlns:a="http://schemas.openxmlformats.org/drawingml/2006/main" xmlns:r="http://schemas.openxmlformats.org/officeDocument/2006/relationships" xmlns:p="http://schemas.openxmlformats.org/presentationml/2006/main">
-  <p:cSld>
-    <p:spTree>
-      <p:nvGrpSpPr>
-        <p:cNvPr id="1" name=""/>
-        <p:cNvGrpSpPr/>
-        <p:nvPr/>
-      </p:nvGrpSpPr>
-      <p:grpSpPr>
-        <a:xfrm>
-          <a:off x="0" y="0"/>
-          <a:ext cx="0" cy="0"/>
-          <a:chOff x="0" y="0"/>
-          <a:chExt cx="0" cy="0"/>
-        </a:xfrm>
-      </p:grpSpPr>
-      <p:sp>
-        <p:nvSpPr>
-          <p:cNvPr id="38" name="Title 37"/>
-          <p:cNvSpPr>
-            <a:spLocks noGrp="1"/>
-          </p:cNvSpPr>
-          <p:nvPr>
-            <p:ph type="title"/>
-          </p:nvPr>
-        </p:nvSpPr>
-        <p:spPr/>
-        <p:txBody>
-          <a:bodyPr/>
-          <a:lstStyle/>
-          <a:p>
-            <a:r>
-              <a:rPr lang="en-US"/>
-              <a:t>Autogrowth Occurs</a:t>
-            </a:r>
-            <a:endParaRPr lang="en-US" dirty="0"/>
-          </a:p>
-        </p:txBody>
-      </p:sp>
-      <p:sp>
-        <p:nvSpPr>
-          <p:cNvPr id="153" name="Rounded Rectangle 3">
-            <a:extLst>
-              <a:ext uri="{FF2B5EF4-FFF2-40B4-BE49-F238E27FC236}">
-                <a16:creationId xmlns:a16="http://schemas.microsoft.com/office/drawing/2014/main" id="{48C6A5C3-52E4-4F6A-83A9-DA442286214B}"/>
-              </a:ext>
-            </a:extLst>
-          </p:cNvPr>
-          <p:cNvSpPr/>
-          <p:nvPr/>
-        </p:nvSpPr>
-        <p:spPr>
-          <a:xfrm>
-            <a:off x="463820" y="1934715"/>
-            <a:ext cx="1651907" cy="1404257"/>
-          </a:xfrm>
-          <a:prstGeom prst="roundRect">
-            <a:avLst/>
-          </a:prstGeom>
-        </p:spPr>
-        <p:style>
-          <a:lnRef idx="2">
-            <a:schemeClr val="accent1">
-              <a:shade val="50000"/>
-            </a:schemeClr>
-          </a:lnRef>
-          <a:fillRef idx="1">
-            <a:schemeClr val="accent1"/>
-          </a:fillRef>
-          <a:effectRef idx="0">
-            <a:schemeClr val="accent1"/>
-          </a:effectRef>
-          <a:fontRef idx="minor">
-            <a:schemeClr val="lt1"/>
-          </a:fontRef>
-        </p:style>
-        <p:txBody>
-          <a:bodyPr rtlCol="0" anchor="ctr"/>
-          <a:lstStyle/>
-          <a:p>
-            <a:pPr algn="ctr"/>
-            <a:endParaRPr lang="en-US"/>
-          </a:p>
-        </p:txBody>
-      </p:sp>
-      <p:sp>
-        <p:nvSpPr>
-          <p:cNvPr id="154" name="TextBox 153">
-            <a:extLst>
-              <a:ext uri="{FF2B5EF4-FFF2-40B4-BE49-F238E27FC236}">
-                <a16:creationId xmlns:a16="http://schemas.microsoft.com/office/drawing/2014/main" id="{0025FCC0-B1A1-4959-B08B-3443F3E35E6C}"/>
-              </a:ext>
-            </a:extLst>
-          </p:cNvPr>
-          <p:cNvSpPr txBox="1"/>
-          <p:nvPr/>
-        </p:nvSpPr>
-        <p:spPr>
-          <a:xfrm>
-            <a:off x="166401" y="2425669"/>
-            <a:ext cx="2246743" cy="369332"/>
-          </a:xfrm>
-          <a:prstGeom prst="rect">
-            <a:avLst/>
-          </a:prstGeom>
-          <a:noFill/>
-        </p:spPr>
-        <p:txBody>
-          <a:bodyPr wrap="square" rtlCol="0">
-            <a:spAutoFit/>
-          </a:bodyPr>
-          <a:lstStyle/>
-          <a:p>
-            <a:pPr algn="ctr"/>
-            <a:r>
-              <a:rPr lang="en-US" dirty="0"/>
-              <a:t>VLF1</a:t>
-            </a:r>
-          </a:p>
-        </p:txBody>
-      </p:sp>
-      <p:sp>
-        <p:nvSpPr>
-          <p:cNvPr id="155" name="TextBox 154">
-            <a:extLst>
-              <a:ext uri="{FF2B5EF4-FFF2-40B4-BE49-F238E27FC236}">
-                <a16:creationId xmlns:a16="http://schemas.microsoft.com/office/drawing/2014/main" id="{06C3E90A-6750-4E7B-B3B2-0C44E252D9D2}"/>
-              </a:ext>
-            </a:extLst>
-          </p:cNvPr>
-          <p:cNvSpPr txBox="1"/>
-          <p:nvPr/>
-        </p:nvSpPr>
-        <p:spPr>
-          <a:xfrm>
-            <a:off x="166400" y="3425465"/>
-            <a:ext cx="2246743" cy="369332"/>
-          </a:xfrm>
-          <a:prstGeom prst="rect">
-            <a:avLst/>
-          </a:prstGeom>
-          <a:noFill/>
-        </p:spPr>
-        <p:txBody>
-          <a:bodyPr wrap="square" rtlCol="0">
-            <a:spAutoFit/>
-          </a:bodyPr>
-          <a:lstStyle/>
-          <a:p>
-            <a:pPr algn="ctr"/>
-            <a:r>
-              <a:rPr lang="en-US" dirty="0"/>
-              <a:t>Active</a:t>
-            </a:r>
-          </a:p>
-        </p:txBody>
-      </p:sp>
-      <p:sp>
-        <p:nvSpPr>
-          <p:cNvPr id="156" name="Rectangle 155">
-            <a:extLst>
-              <a:ext uri="{FF2B5EF4-FFF2-40B4-BE49-F238E27FC236}">
-                <a16:creationId xmlns:a16="http://schemas.microsoft.com/office/drawing/2014/main" id="{71C57D64-D8B5-4327-B8A0-BDAF498188CF}"/>
-              </a:ext>
-            </a:extLst>
-          </p:cNvPr>
-          <p:cNvSpPr/>
-          <p:nvPr/>
-        </p:nvSpPr>
-        <p:spPr>
-          <a:xfrm>
-            <a:off x="463820" y="1149812"/>
-            <a:ext cx="2266787" cy="645393"/>
-          </a:xfrm>
-          <a:prstGeom prst="rect">
-            <a:avLst/>
-          </a:prstGeom>
-        </p:spPr>
-        <p:style>
-          <a:lnRef idx="2">
-            <a:schemeClr val="accent1">
-              <a:shade val="50000"/>
-            </a:schemeClr>
-          </a:lnRef>
-          <a:fillRef idx="1">
-            <a:schemeClr val="accent1"/>
-          </a:fillRef>
-          <a:effectRef idx="0">
-            <a:schemeClr val="accent1"/>
-          </a:effectRef>
-          <a:fontRef idx="minor">
-            <a:schemeClr val="lt1"/>
-          </a:fontRef>
-        </p:style>
-        <p:txBody>
-          <a:bodyPr rtlCol="0" anchor="ctr"/>
-          <a:lstStyle/>
-          <a:p>
-            <a:pPr algn="ctr"/>
-            <a:endParaRPr lang="en-US"/>
-          </a:p>
-        </p:txBody>
-      </p:sp>
-      <p:sp>
-        <p:nvSpPr>
-          <p:cNvPr id="157" name="TextBox 156">
-            <a:extLst>
-              <a:ext uri="{FF2B5EF4-FFF2-40B4-BE49-F238E27FC236}">
-                <a16:creationId xmlns:a16="http://schemas.microsoft.com/office/drawing/2014/main" id="{E9BE41C2-E4CE-4F62-A3F6-FB1535A54B0F}"/>
-              </a:ext>
-            </a:extLst>
-          </p:cNvPr>
-          <p:cNvSpPr txBox="1"/>
-          <p:nvPr/>
-        </p:nvSpPr>
-        <p:spPr>
-          <a:xfrm>
-            <a:off x="712831" y="1310962"/>
-            <a:ext cx="1768765" cy="369332"/>
-          </a:xfrm>
-          <a:prstGeom prst="rect">
-            <a:avLst/>
-          </a:prstGeom>
-          <a:noFill/>
-        </p:spPr>
-        <p:txBody>
-          <a:bodyPr wrap="square" rtlCol="0">
-            <a:spAutoFit/>
-          </a:bodyPr>
-          <a:lstStyle/>
-          <a:p>
-            <a:pPr algn="ctr"/>
-            <a:r>
-              <a:rPr lang="en-US" dirty="0"/>
-              <a:t>Tran1</a:t>
-            </a:r>
-          </a:p>
-        </p:txBody>
-      </p:sp>
-      <p:sp>
-        <p:nvSpPr>
-          <p:cNvPr id="158" name="Rectangle 157">
-            <a:extLst>
-              <a:ext uri="{FF2B5EF4-FFF2-40B4-BE49-F238E27FC236}">
-                <a16:creationId xmlns:a16="http://schemas.microsoft.com/office/drawing/2014/main" id="{B051A0EE-9C9A-4F90-AFE3-1A252D86DD23}"/>
-              </a:ext>
-            </a:extLst>
-          </p:cNvPr>
-          <p:cNvSpPr/>
-          <p:nvPr/>
-        </p:nvSpPr>
-        <p:spPr>
-          <a:xfrm>
-            <a:off x="2920235" y="1149812"/>
-            <a:ext cx="2266787" cy="645393"/>
-          </a:xfrm>
-          <a:prstGeom prst="rect">
-            <a:avLst/>
-          </a:prstGeom>
-        </p:spPr>
-        <p:style>
-          <a:lnRef idx="2">
-            <a:schemeClr val="accent1">
-              <a:shade val="50000"/>
-            </a:schemeClr>
-          </a:lnRef>
-          <a:fillRef idx="1">
-            <a:schemeClr val="accent1"/>
-          </a:fillRef>
-          <a:effectRef idx="0">
-            <a:schemeClr val="accent1"/>
-          </a:effectRef>
-          <a:fontRef idx="minor">
-            <a:schemeClr val="lt1"/>
-          </a:fontRef>
-        </p:style>
-        <p:txBody>
-          <a:bodyPr rtlCol="0" anchor="ctr"/>
-          <a:lstStyle/>
-          <a:p>
-            <a:pPr algn="ctr"/>
-            <a:endParaRPr lang="en-US"/>
-          </a:p>
-        </p:txBody>
-      </p:sp>
-      <p:sp>
-        <p:nvSpPr>
-          <p:cNvPr id="159" name="TextBox 158">
-            <a:extLst>
-              <a:ext uri="{FF2B5EF4-FFF2-40B4-BE49-F238E27FC236}">
-                <a16:creationId xmlns:a16="http://schemas.microsoft.com/office/drawing/2014/main" id="{9B4FB210-03AF-46C1-AA1C-002B7DC39CDC}"/>
-              </a:ext>
-            </a:extLst>
-          </p:cNvPr>
-          <p:cNvSpPr txBox="1"/>
-          <p:nvPr/>
-        </p:nvSpPr>
-        <p:spPr>
-          <a:xfrm>
-            <a:off x="3169246" y="1310962"/>
-            <a:ext cx="1768765" cy="369332"/>
-          </a:xfrm>
-          <a:prstGeom prst="rect">
-            <a:avLst/>
-          </a:prstGeom>
-          <a:noFill/>
-        </p:spPr>
-        <p:txBody>
-          <a:bodyPr wrap="square" rtlCol="0">
-            <a:spAutoFit/>
-          </a:bodyPr>
-          <a:lstStyle/>
-          <a:p>
-            <a:pPr algn="ctr"/>
-            <a:r>
-              <a:rPr lang="en-US" dirty="0"/>
-              <a:t>Tran2</a:t>
-            </a:r>
-          </a:p>
-        </p:txBody>
-      </p:sp>
-      <p:sp>
-        <p:nvSpPr>
-          <p:cNvPr id="160" name="Rounded Rectangle 40">
-            <a:extLst>
-              <a:ext uri="{FF2B5EF4-FFF2-40B4-BE49-F238E27FC236}">
-                <a16:creationId xmlns:a16="http://schemas.microsoft.com/office/drawing/2014/main" id="{D3197B9F-6560-4AF3-9AD8-2E0F69D7A66E}"/>
-              </a:ext>
-            </a:extLst>
-          </p:cNvPr>
-          <p:cNvSpPr/>
-          <p:nvPr/>
-        </p:nvSpPr>
-        <p:spPr>
-          <a:xfrm>
-            <a:off x="2199184" y="1962147"/>
-            <a:ext cx="1651907" cy="1404257"/>
-          </a:xfrm>
-          <a:prstGeom prst="roundRect">
-            <a:avLst/>
-          </a:prstGeom>
-        </p:spPr>
-        <p:style>
-          <a:lnRef idx="2">
-            <a:schemeClr val="accent1">
-              <a:shade val="50000"/>
-            </a:schemeClr>
-          </a:lnRef>
-          <a:fillRef idx="1">
-            <a:schemeClr val="accent1"/>
-          </a:fillRef>
-          <a:effectRef idx="0">
-            <a:schemeClr val="accent1"/>
-          </a:effectRef>
-          <a:fontRef idx="minor">
-            <a:schemeClr val="lt1"/>
-          </a:fontRef>
-        </p:style>
-        <p:txBody>
-          <a:bodyPr rtlCol="0" anchor="ctr"/>
-          <a:lstStyle/>
-          <a:p>
-            <a:pPr algn="ctr"/>
-            <a:endParaRPr lang="en-US"/>
-          </a:p>
-        </p:txBody>
-      </p:sp>
-      <p:sp>
-        <p:nvSpPr>
-          <p:cNvPr id="161" name="TextBox 160">
-            <a:extLst>
-              <a:ext uri="{FF2B5EF4-FFF2-40B4-BE49-F238E27FC236}">
-                <a16:creationId xmlns:a16="http://schemas.microsoft.com/office/drawing/2014/main" id="{721D8F50-7A65-4B59-93C3-8F3BA73DD28C}"/>
-              </a:ext>
-            </a:extLst>
-          </p:cNvPr>
-          <p:cNvSpPr txBox="1"/>
-          <p:nvPr/>
-        </p:nvSpPr>
-        <p:spPr>
-          <a:xfrm>
-            <a:off x="1901765" y="2453101"/>
-            <a:ext cx="2246743" cy="369332"/>
-          </a:xfrm>
-          <a:prstGeom prst="rect">
-            <a:avLst/>
-          </a:prstGeom>
-          <a:noFill/>
-        </p:spPr>
-        <p:txBody>
-          <a:bodyPr wrap="square" rtlCol="0">
-            <a:spAutoFit/>
-          </a:bodyPr>
-          <a:lstStyle/>
-          <a:p>
-            <a:pPr algn="ctr"/>
-            <a:r>
-              <a:rPr lang="en-US" dirty="0"/>
-              <a:t>VLF2</a:t>
-            </a:r>
-          </a:p>
-        </p:txBody>
-      </p:sp>
-      <p:sp>
-        <p:nvSpPr>
-          <p:cNvPr id="162" name="TextBox 161">
-            <a:extLst>
-              <a:ext uri="{FF2B5EF4-FFF2-40B4-BE49-F238E27FC236}">
-                <a16:creationId xmlns:a16="http://schemas.microsoft.com/office/drawing/2014/main" id="{49355AAA-318B-4FBC-B924-5CD725F91748}"/>
-              </a:ext>
-            </a:extLst>
-          </p:cNvPr>
-          <p:cNvSpPr txBox="1"/>
-          <p:nvPr/>
-        </p:nvSpPr>
-        <p:spPr>
-          <a:xfrm>
-            <a:off x="1901764" y="3452897"/>
-            <a:ext cx="2246743" cy="369332"/>
-          </a:xfrm>
-          <a:prstGeom prst="rect">
-            <a:avLst/>
-          </a:prstGeom>
-          <a:noFill/>
-        </p:spPr>
-        <p:txBody>
-          <a:bodyPr wrap="square" rtlCol="0">
-            <a:spAutoFit/>
-          </a:bodyPr>
-          <a:lstStyle/>
-          <a:p>
-            <a:pPr algn="ctr"/>
-            <a:r>
-              <a:rPr lang="en-US" dirty="0"/>
-              <a:t>Active</a:t>
-            </a:r>
-          </a:p>
-        </p:txBody>
-      </p:sp>
-      <p:sp>
-        <p:nvSpPr>
-          <p:cNvPr id="163" name="Rounded Rectangle 43">
-            <a:extLst>
-              <a:ext uri="{FF2B5EF4-FFF2-40B4-BE49-F238E27FC236}">
-                <a16:creationId xmlns:a16="http://schemas.microsoft.com/office/drawing/2014/main" id="{35A90C3C-4AC3-45F0-BEF0-18C7EAA40976}"/>
-              </a:ext>
-            </a:extLst>
-          </p:cNvPr>
-          <p:cNvSpPr/>
-          <p:nvPr/>
-        </p:nvSpPr>
-        <p:spPr>
-          <a:xfrm>
-            <a:off x="3934545" y="1962147"/>
-            <a:ext cx="1651907" cy="1404257"/>
-          </a:xfrm>
-          <a:prstGeom prst="roundRect">
-            <a:avLst/>
-          </a:prstGeom>
-        </p:spPr>
-        <p:style>
-          <a:lnRef idx="2">
-            <a:schemeClr val="accent1">
-              <a:shade val="50000"/>
-            </a:schemeClr>
-          </a:lnRef>
-          <a:fillRef idx="1">
-            <a:schemeClr val="accent1"/>
-          </a:fillRef>
-          <a:effectRef idx="0">
-            <a:schemeClr val="accent1"/>
-          </a:effectRef>
-          <a:fontRef idx="minor">
-            <a:schemeClr val="lt1"/>
-          </a:fontRef>
-        </p:style>
-        <p:txBody>
-          <a:bodyPr rtlCol="0" anchor="ctr"/>
-          <a:lstStyle/>
-          <a:p>
-            <a:pPr algn="ctr"/>
-            <a:endParaRPr lang="en-US"/>
-          </a:p>
-        </p:txBody>
-      </p:sp>
-      <p:sp>
-        <p:nvSpPr>
-          <p:cNvPr id="164" name="TextBox 163">
-            <a:extLst>
-              <a:ext uri="{FF2B5EF4-FFF2-40B4-BE49-F238E27FC236}">
-                <a16:creationId xmlns:a16="http://schemas.microsoft.com/office/drawing/2014/main" id="{85E5CBA3-8745-44F2-AEBC-4A365CF46F39}"/>
-              </a:ext>
-            </a:extLst>
-          </p:cNvPr>
-          <p:cNvSpPr txBox="1"/>
-          <p:nvPr/>
-        </p:nvSpPr>
-        <p:spPr>
-          <a:xfrm>
-            <a:off x="3637126" y="2453101"/>
-            <a:ext cx="2246743" cy="369332"/>
-          </a:xfrm>
-          <a:prstGeom prst="rect">
-            <a:avLst/>
-          </a:prstGeom>
-          <a:noFill/>
-        </p:spPr>
-        <p:txBody>
-          <a:bodyPr wrap="square" rtlCol="0">
-            <a:spAutoFit/>
-          </a:bodyPr>
-          <a:lstStyle/>
-          <a:p>
-            <a:pPr algn="ctr"/>
-            <a:r>
-              <a:rPr lang="en-US" dirty="0"/>
-              <a:t>VLF3</a:t>
-            </a:r>
-          </a:p>
-        </p:txBody>
-      </p:sp>
-      <p:sp>
-        <p:nvSpPr>
-          <p:cNvPr id="165" name="TextBox 164">
-            <a:extLst>
-              <a:ext uri="{FF2B5EF4-FFF2-40B4-BE49-F238E27FC236}">
-                <a16:creationId xmlns:a16="http://schemas.microsoft.com/office/drawing/2014/main" id="{0C65B8FC-D60C-46AD-92F3-7CFC7493E816}"/>
-              </a:ext>
-            </a:extLst>
-          </p:cNvPr>
-          <p:cNvSpPr txBox="1"/>
-          <p:nvPr/>
-        </p:nvSpPr>
-        <p:spPr>
-          <a:xfrm>
-            <a:off x="3637125" y="3452897"/>
-            <a:ext cx="2246743" cy="369332"/>
-          </a:xfrm>
-          <a:prstGeom prst="rect">
-            <a:avLst/>
-          </a:prstGeom>
-          <a:noFill/>
-        </p:spPr>
-        <p:txBody>
-          <a:bodyPr wrap="square" rtlCol="0">
-            <a:spAutoFit/>
-          </a:bodyPr>
-          <a:lstStyle/>
-          <a:p>
-            <a:pPr algn="ctr"/>
-            <a:r>
-              <a:rPr lang="en-US" dirty="0"/>
-              <a:t>Active</a:t>
-            </a:r>
-          </a:p>
-        </p:txBody>
-      </p:sp>
-      <p:sp>
-        <p:nvSpPr>
-          <p:cNvPr id="166" name="Rounded Rectangle 46">
-            <a:extLst>
-              <a:ext uri="{FF2B5EF4-FFF2-40B4-BE49-F238E27FC236}">
-                <a16:creationId xmlns:a16="http://schemas.microsoft.com/office/drawing/2014/main" id="{651A1DC9-6914-40D3-B151-FAF4E306C512}"/>
-              </a:ext>
-            </a:extLst>
-          </p:cNvPr>
-          <p:cNvSpPr/>
-          <p:nvPr/>
-        </p:nvSpPr>
-        <p:spPr>
-          <a:xfrm>
-            <a:off x="5669903" y="1962147"/>
-            <a:ext cx="1651907" cy="1404257"/>
-          </a:xfrm>
-          <a:prstGeom prst="roundRect">
-            <a:avLst/>
-          </a:prstGeom>
-        </p:spPr>
-        <p:style>
-          <a:lnRef idx="2">
-            <a:schemeClr val="accent1">
-              <a:shade val="50000"/>
-            </a:schemeClr>
-          </a:lnRef>
-          <a:fillRef idx="1">
-            <a:schemeClr val="accent1"/>
-          </a:fillRef>
-          <a:effectRef idx="0">
-            <a:schemeClr val="accent1"/>
-          </a:effectRef>
-          <a:fontRef idx="minor">
-            <a:schemeClr val="lt1"/>
-          </a:fontRef>
-        </p:style>
-        <p:txBody>
-          <a:bodyPr rtlCol="0" anchor="ctr"/>
-          <a:lstStyle/>
-          <a:p>
-            <a:pPr algn="ctr"/>
-            <a:endParaRPr lang="en-US"/>
-          </a:p>
-        </p:txBody>
-      </p:sp>
-      <p:sp>
-        <p:nvSpPr>
-          <p:cNvPr id="167" name="TextBox 166">
-            <a:extLst>
-              <a:ext uri="{FF2B5EF4-FFF2-40B4-BE49-F238E27FC236}">
-                <a16:creationId xmlns:a16="http://schemas.microsoft.com/office/drawing/2014/main" id="{D167688E-75D0-498A-AD57-325AFC23A5C3}"/>
-              </a:ext>
-            </a:extLst>
-          </p:cNvPr>
-          <p:cNvSpPr txBox="1"/>
-          <p:nvPr/>
-        </p:nvSpPr>
-        <p:spPr>
-          <a:xfrm>
-            <a:off x="5372484" y="2453101"/>
-            <a:ext cx="2246743" cy="369332"/>
-          </a:xfrm>
-          <a:prstGeom prst="rect">
-            <a:avLst/>
-          </a:prstGeom>
-          <a:noFill/>
-        </p:spPr>
-        <p:txBody>
-          <a:bodyPr wrap="square" rtlCol="0">
-            <a:spAutoFit/>
-          </a:bodyPr>
-          <a:lstStyle/>
-          <a:p>
-            <a:pPr algn="ctr"/>
-            <a:r>
-              <a:rPr lang="en-US" dirty="0"/>
-              <a:t>VLF4</a:t>
-            </a:r>
-          </a:p>
-        </p:txBody>
-      </p:sp>
-      <p:sp>
-        <p:nvSpPr>
-          <p:cNvPr id="168" name="TextBox 167">
-            <a:extLst>
-              <a:ext uri="{FF2B5EF4-FFF2-40B4-BE49-F238E27FC236}">
-                <a16:creationId xmlns:a16="http://schemas.microsoft.com/office/drawing/2014/main" id="{6E5355BF-AB15-4902-8DE7-D04AED462EEA}"/>
-              </a:ext>
-            </a:extLst>
-          </p:cNvPr>
-          <p:cNvSpPr txBox="1"/>
-          <p:nvPr/>
-        </p:nvSpPr>
-        <p:spPr>
-          <a:xfrm>
-            <a:off x="5372483" y="3452897"/>
-            <a:ext cx="2246743" cy="369332"/>
-          </a:xfrm>
-          <a:prstGeom prst="rect">
-            <a:avLst/>
-          </a:prstGeom>
-          <a:noFill/>
-        </p:spPr>
-        <p:txBody>
-          <a:bodyPr wrap="square" rtlCol="0">
-            <a:spAutoFit/>
-          </a:bodyPr>
-          <a:lstStyle/>
-          <a:p>
-            <a:pPr algn="ctr"/>
-            <a:r>
-              <a:rPr lang="en-US" dirty="0"/>
-              <a:t>Active</a:t>
-            </a:r>
-          </a:p>
-        </p:txBody>
-      </p:sp>
-      <p:sp>
-        <p:nvSpPr>
-          <p:cNvPr id="169" name="Rounded Rectangle 49">
-            <a:extLst>
-              <a:ext uri="{FF2B5EF4-FFF2-40B4-BE49-F238E27FC236}">
-                <a16:creationId xmlns:a16="http://schemas.microsoft.com/office/drawing/2014/main" id="{6805F971-E67C-4DD1-8C1C-7E9F5007B5B9}"/>
-              </a:ext>
-            </a:extLst>
-          </p:cNvPr>
-          <p:cNvSpPr/>
-          <p:nvPr/>
-        </p:nvSpPr>
-        <p:spPr>
-          <a:xfrm>
-            <a:off x="7405261" y="1962147"/>
-            <a:ext cx="1620117" cy="1404257"/>
-          </a:xfrm>
-          <a:prstGeom prst="roundRect">
-            <a:avLst/>
-          </a:prstGeom>
-        </p:spPr>
-        <p:style>
-          <a:lnRef idx="2">
-            <a:schemeClr val="accent1">
-              <a:shade val="50000"/>
-            </a:schemeClr>
-          </a:lnRef>
-          <a:fillRef idx="1">
-            <a:schemeClr val="accent1"/>
-          </a:fillRef>
-          <a:effectRef idx="0">
-            <a:schemeClr val="accent1"/>
-          </a:effectRef>
-          <a:fontRef idx="minor">
-            <a:schemeClr val="lt1"/>
-          </a:fontRef>
-        </p:style>
-        <p:txBody>
-          <a:bodyPr rtlCol="0" anchor="ctr"/>
-          <a:lstStyle/>
-          <a:p>
-            <a:pPr algn="ctr"/>
-            <a:endParaRPr lang="en-US"/>
-          </a:p>
-        </p:txBody>
-      </p:sp>
-      <p:sp>
-        <p:nvSpPr>
-          <p:cNvPr id="170" name="TextBox 169">
-            <a:extLst>
-              <a:ext uri="{FF2B5EF4-FFF2-40B4-BE49-F238E27FC236}">
-                <a16:creationId xmlns:a16="http://schemas.microsoft.com/office/drawing/2014/main" id="{DEE904D4-B590-45F9-8F3C-1223B03BB58A}"/>
-              </a:ext>
-            </a:extLst>
-          </p:cNvPr>
-          <p:cNvSpPr txBox="1"/>
-          <p:nvPr/>
-        </p:nvSpPr>
-        <p:spPr>
-          <a:xfrm>
-            <a:off x="6565722" y="2425669"/>
-            <a:ext cx="3299193" cy="369332"/>
-          </a:xfrm>
-          <a:prstGeom prst="rect">
-            <a:avLst/>
-          </a:prstGeom>
-          <a:noFill/>
-        </p:spPr>
-        <p:txBody>
-          <a:bodyPr wrap="square" rtlCol="0">
-            <a:spAutoFit/>
-          </a:bodyPr>
-          <a:lstStyle/>
-          <a:p>
-            <a:pPr algn="ctr"/>
-            <a:r>
-              <a:rPr lang="en-US" dirty="0"/>
-              <a:t>VLF5</a:t>
-            </a:r>
-          </a:p>
-        </p:txBody>
-      </p:sp>
-      <p:sp>
-        <p:nvSpPr>
-          <p:cNvPr id="171" name="TextBox 170">
-            <a:extLst>
-              <a:ext uri="{FF2B5EF4-FFF2-40B4-BE49-F238E27FC236}">
-                <a16:creationId xmlns:a16="http://schemas.microsoft.com/office/drawing/2014/main" id="{1B709165-97E9-41D5-9860-9DE68F23E0B8}"/>
-              </a:ext>
-            </a:extLst>
-          </p:cNvPr>
-          <p:cNvSpPr txBox="1"/>
-          <p:nvPr/>
-        </p:nvSpPr>
-        <p:spPr>
-          <a:xfrm>
-            <a:off x="6565721" y="3447350"/>
-            <a:ext cx="3299193" cy="369332"/>
-          </a:xfrm>
-          <a:prstGeom prst="rect">
-            <a:avLst/>
-          </a:prstGeom>
-          <a:noFill/>
-        </p:spPr>
-        <p:txBody>
-          <a:bodyPr wrap="square" rtlCol="0">
-            <a:spAutoFit/>
-          </a:bodyPr>
-          <a:lstStyle/>
-          <a:p>
-            <a:pPr algn="ctr"/>
-            <a:r>
-              <a:rPr lang="en-US" dirty="0"/>
-              <a:t>Active</a:t>
-            </a:r>
-          </a:p>
-        </p:txBody>
-      </p:sp>
-      <p:sp>
-        <p:nvSpPr>
-          <p:cNvPr id="172" name="Right Arrow 19">
-            <a:extLst>
-              <a:ext uri="{FF2B5EF4-FFF2-40B4-BE49-F238E27FC236}">
-                <a16:creationId xmlns:a16="http://schemas.microsoft.com/office/drawing/2014/main" id="{A8A9EC4B-A841-4A75-AB75-5E822B4287E3}"/>
-              </a:ext>
-            </a:extLst>
-          </p:cNvPr>
-          <p:cNvSpPr/>
-          <p:nvPr/>
-        </p:nvSpPr>
-        <p:spPr>
-          <a:xfrm>
-            <a:off x="5257236" y="815555"/>
-            <a:ext cx="2888687" cy="1313905"/>
-          </a:xfrm>
-          <a:prstGeom prst="rightArrow">
-            <a:avLst/>
-          </a:prstGeom>
-        </p:spPr>
-        <p:style>
-          <a:lnRef idx="2">
-            <a:schemeClr val="accent1">
-              <a:shade val="50000"/>
-            </a:schemeClr>
-          </a:lnRef>
-          <a:fillRef idx="1">
-            <a:schemeClr val="accent1"/>
-          </a:fillRef>
-          <a:effectRef idx="0">
-            <a:schemeClr val="accent1"/>
-          </a:effectRef>
-          <a:fontRef idx="minor">
-            <a:schemeClr val="lt1"/>
-          </a:fontRef>
-        </p:style>
-        <p:txBody>
-          <a:bodyPr rtlCol="0" anchor="ctr"/>
-          <a:lstStyle/>
-          <a:p>
-            <a:pPr algn="ctr"/>
-            <a:endParaRPr lang="en-US"/>
-          </a:p>
-        </p:txBody>
-      </p:sp>
-      <p:sp>
-        <p:nvSpPr>
-          <p:cNvPr id="173" name="TextBox 172">
-            <a:extLst>
-              <a:ext uri="{FF2B5EF4-FFF2-40B4-BE49-F238E27FC236}">
-                <a16:creationId xmlns:a16="http://schemas.microsoft.com/office/drawing/2014/main" id="{57B6D274-8293-4203-A1FF-C659A3488070}"/>
-              </a:ext>
-            </a:extLst>
-          </p:cNvPr>
-          <p:cNvSpPr txBox="1"/>
-          <p:nvPr/>
-        </p:nvSpPr>
-        <p:spPr>
-          <a:xfrm>
-            <a:off x="5617281" y="1310962"/>
-            <a:ext cx="1768765" cy="369332"/>
-          </a:xfrm>
-          <a:prstGeom prst="rect">
-            <a:avLst/>
-          </a:prstGeom>
-          <a:noFill/>
-        </p:spPr>
-        <p:txBody>
-          <a:bodyPr wrap="square" rtlCol="0">
-            <a:spAutoFit/>
-          </a:bodyPr>
-          <a:lstStyle/>
-          <a:p>
-            <a:pPr algn="ctr"/>
-            <a:r>
-              <a:rPr lang="en-US" dirty="0"/>
-              <a:t>Tran3</a:t>
-            </a:r>
-          </a:p>
-        </p:txBody>
-      </p:sp>
-    </p:spTree>
-    <p:extLst>
-      <p:ext uri="{BB962C8B-B14F-4D97-AF65-F5344CB8AC3E}">
-        <p14:creationId xmlns:p14="http://schemas.microsoft.com/office/powerpoint/2010/main" val="3291408477"/>
-      </p:ext>
-    </p:extLst>
-  </p:cSld>
-  <p:clrMapOvr>
-    <a:masterClrMapping/>
-  </p:clrMapOvr>
-</p:sld>
-</file>
-
 <file path=ppt/slides/slide2.xml><?xml version="1.0" encoding="utf-8"?>
 <p:sld xmlns:a="http://schemas.openxmlformats.org/drawingml/2006/main" xmlns:r="http://schemas.openxmlformats.org/officeDocument/2006/relationships" xmlns:p="http://schemas.openxmlformats.org/presentationml/2006/main">
   <p:cSld>
@@ -18499,6 +17793,895 @@
 </file>
 
 <file path=ppt/slides/slide20.xml><?xml version="1.0" encoding="utf-8"?>
+<p:sld xmlns:a="http://schemas.openxmlformats.org/drawingml/2006/main" xmlns:r="http://schemas.openxmlformats.org/officeDocument/2006/relationships" xmlns:p="http://schemas.openxmlformats.org/presentationml/2006/main">
+  <p:cSld>
+    <p:spTree>
+      <p:nvGrpSpPr>
+        <p:cNvPr id="1" name=""/>
+        <p:cNvGrpSpPr/>
+        <p:nvPr/>
+      </p:nvGrpSpPr>
+      <p:grpSpPr>
+        <a:xfrm>
+          <a:off x="0" y="0"/>
+          <a:ext cx="0" cy="0"/>
+          <a:chOff x="0" y="0"/>
+          <a:chExt cx="0" cy="0"/>
+        </a:xfrm>
+      </p:grpSpPr>
+      <p:sp>
+        <p:nvSpPr>
+          <p:cNvPr id="38" name="Title 37"/>
+          <p:cNvSpPr>
+            <a:spLocks noGrp="1"/>
+          </p:cNvSpPr>
+          <p:nvPr>
+            <p:ph type="title"/>
+          </p:nvPr>
+        </p:nvSpPr>
+        <p:spPr/>
+        <p:txBody>
+          <a:bodyPr/>
+          <a:lstStyle/>
+          <a:p>
+            <a:r>
+              <a:rPr lang="en-US"/>
+              <a:t>Autogrowth Occurs</a:t>
+            </a:r>
+            <a:endParaRPr lang="en-US" dirty="0"/>
+          </a:p>
+        </p:txBody>
+      </p:sp>
+      <p:sp>
+        <p:nvSpPr>
+          <p:cNvPr id="153" name="Rounded Rectangle 3">
+            <a:extLst>
+              <a:ext uri="{FF2B5EF4-FFF2-40B4-BE49-F238E27FC236}">
+                <a16:creationId xmlns:a16="http://schemas.microsoft.com/office/drawing/2014/main" id="{48C6A5C3-52E4-4F6A-83A9-DA442286214B}"/>
+              </a:ext>
+            </a:extLst>
+          </p:cNvPr>
+          <p:cNvSpPr/>
+          <p:nvPr/>
+        </p:nvSpPr>
+        <p:spPr>
+          <a:xfrm>
+            <a:off x="463820" y="1934715"/>
+            <a:ext cx="1651907" cy="1404257"/>
+          </a:xfrm>
+          <a:prstGeom prst="roundRect">
+            <a:avLst/>
+          </a:prstGeom>
+        </p:spPr>
+        <p:style>
+          <a:lnRef idx="2">
+            <a:schemeClr val="accent1">
+              <a:shade val="50000"/>
+            </a:schemeClr>
+          </a:lnRef>
+          <a:fillRef idx="1">
+            <a:schemeClr val="accent1"/>
+          </a:fillRef>
+          <a:effectRef idx="0">
+            <a:schemeClr val="accent1"/>
+          </a:effectRef>
+          <a:fontRef idx="minor">
+            <a:schemeClr val="lt1"/>
+          </a:fontRef>
+        </p:style>
+        <p:txBody>
+          <a:bodyPr rtlCol="0" anchor="ctr"/>
+          <a:lstStyle/>
+          <a:p>
+            <a:pPr algn="ctr"/>
+            <a:endParaRPr lang="en-US"/>
+          </a:p>
+        </p:txBody>
+      </p:sp>
+      <p:sp>
+        <p:nvSpPr>
+          <p:cNvPr id="154" name="TextBox 153">
+            <a:extLst>
+              <a:ext uri="{FF2B5EF4-FFF2-40B4-BE49-F238E27FC236}">
+                <a16:creationId xmlns:a16="http://schemas.microsoft.com/office/drawing/2014/main" id="{0025FCC0-B1A1-4959-B08B-3443F3E35E6C}"/>
+              </a:ext>
+            </a:extLst>
+          </p:cNvPr>
+          <p:cNvSpPr txBox="1"/>
+          <p:nvPr/>
+        </p:nvSpPr>
+        <p:spPr>
+          <a:xfrm>
+            <a:off x="166401" y="2425669"/>
+            <a:ext cx="2246743" cy="369332"/>
+          </a:xfrm>
+          <a:prstGeom prst="rect">
+            <a:avLst/>
+          </a:prstGeom>
+          <a:noFill/>
+        </p:spPr>
+        <p:txBody>
+          <a:bodyPr wrap="square" rtlCol="0">
+            <a:spAutoFit/>
+          </a:bodyPr>
+          <a:lstStyle/>
+          <a:p>
+            <a:pPr algn="ctr"/>
+            <a:r>
+              <a:rPr lang="en-US" dirty="0"/>
+              <a:t>VLF1</a:t>
+            </a:r>
+          </a:p>
+        </p:txBody>
+      </p:sp>
+      <p:sp>
+        <p:nvSpPr>
+          <p:cNvPr id="155" name="TextBox 154">
+            <a:extLst>
+              <a:ext uri="{FF2B5EF4-FFF2-40B4-BE49-F238E27FC236}">
+                <a16:creationId xmlns:a16="http://schemas.microsoft.com/office/drawing/2014/main" id="{06C3E90A-6750-4E7B-B3B2-0C44E252D9D2}"/>
+              </a:ext>
+            </a:extLst>
+          </p:cNvPr>
+          <p:cNvSpPr txBox="1"/>
+          <p:nvPr/>
+        </p:nvSpPr>
+        <p:spPr>
+          <a:xfrm>
+            <a:off x="166400" y="3425465"/>
+            <a:ext cx="2246743" cy="369332"/>
+          </a:xfrm>
+          <a:prstGeom prst="rect">
+            <a:avLst/>
+          </a:prstGeom>
+          <a:noFill/>
+        </p:spPr>
+        <p:txBody>
+          <a:bodyPr wrap="square" rtlCol="0">
+            <a:spAutoFit/>
+          </a:bodyPr>
+          <a:lstStyle/>
+          <a:p>
+            <a:pPr algn="ctr"/>
+            <a:r>
+              <a:rPr lang="en-US" dirty="0"/>
+              <a:t>Active</a:t>
+            </a:r>
+          </a:p>
+        </p:txBody>
+      </p:sp>
+      <p:sp>
+        <p:nvSpPr>
+          <p:cNvPr id="156" name="Rectangle 155">
+            <a:extLst>
+              <a:ext uri="{FF2B5EF4-FFF2-40B4-BE49-F238E27FC236}">
+                <a16:creationId xmlns:a16="http://schemas.microsoft.com/office/drawing/2014/main" id="{71C57D64-D8B5-4327-B8A0-BDAF498188CF}"/>
+              </a:ext>
+            </a:extLst>
+          </p:cNvPr>
+          <p:cNvSpPr/>
+          <p:nvPr/>
+        </p:nvSpPr>
+        <p:spPr>
+          <a:xfrm>
+            <a:off x="463820" y="1149812"/>
+            <a:ext cx="2266787" cy="645393"/>
+          </a:xfrm>
+          <a:prstGeom prst="rect">
+            <a:avLst/>
+          </a:prstGeom>
+        </p:spPr>
+        <p:style>
+          <a:lnRef idx="2">
+            <a:schemeClr val="accent1">
+              <a:shade val="50000"/>
+            </a:schemeClr>
+          </a:lnRef>
+          <a:fillRef idx="1">
+            <a:schemeClr val="accent1"/>
+          </a:fillRef>
+          <a:effectRef idx="0">
+            <a:schemeClr val="accent1"/>
+          </a:effectRef>
+          <a:fontRef idx="minor">
+            <a:schemeClr val="lt1"/>
+          </a:fontRef>
+        </p:style>
+        <p:txBody>
+          <a:bodyPr rtlCol="0" anchor="ctr"/>
+          <a:lstStyle/>
+          <a:p>
+            <a:pPr algn="ctr"/>
+            <a:endParaRPr lang="en-US"/>
+          </a:p>
+        </p:txBody>
+      </p:sp>
+      <p:sp>
+        <p:nvSpPr>
+          <p:cNvPr id="157" name="TextBox 156">
+            <a:extLst>
+              <a:ext uri="{FF2B5EF4-FFF2-40B4-BE49-F238E27FC236}">
+                <a16:creationId xmlns:a16="http://schemas.microsoft.com/office/drawing/2014/main" id="{E9BE41C2-E4CE-4F62-A3F6-FB1535A54B0F}"/>
+              </a:ext>
+            </a:extLst>
+          </p:cNvPr>
+          <p:cNvSpPr txBox="1"/>
+          <p:nvPr/>
+        </p:nvSpPr>
+        <p:spPr>
+          <a:xfrm>
+            <a:off x="712831" y="1310962"/>
+            <a:ext cx="1768765" cy="369332"/>
+          </a:xfrm>
+          <a:prstGeom prst="rect">
+            <a:avLst/>
+          </a:prstGeom>
+          <a:noFill/>
+        </p:spPr>
+        <p:txBody>
+          <a:bodyPr wrap="square" rtlCol="0">
+            <a:spAutoFit/>
+          </a:bodyPr>
+          <a:lstStyle/>
+          <a:p>
+            <a:pPr algn="ctr"/>
+            <a:r>
+              <a:rPr lang="en-US" dirty="0"/>
+              <a:t>Tran1</a:t>
+            </a:r>
+          </a:p>
+        </p:txBody>
+      </p:sp>
+      <p:sp>
+        <p:nvSpPr>
+          <p:cNvPr id="158" name="Rectangle 157">
+            <a:extLst>
+              <a:ext uri="{FF2B5EF4-FFF2-40B4-BE49-F238E27FC236}">
+                <a16:creationId xmlns:a16="http://schemas.microsoft.com/office/drawing/2014/main" id="{B051A0EE-9C9A-4F90-AFE3-1A252D86DD23}"/>
+              </a:ext>
+            </a:extLst>
+          </p:cNvPr>
+          <p:cNvSpPr/>
+          <p:nvPr/>
+        </p:nvSpPr>
+        <p:spPr>
+          <a:xfrm>
+            <a:off x="2920235" y="1149812"/>
+            <a:ext cx="2266787" cy="645393"/>
+          </a:xfrm>
+          <a:prstGeom prst="rect">
+            <a:avLst/>
+          </a:prstGeom>
+        </p:spPr>
+        <p:style>
+          <a:lnRef idx="2">
+            <a:schemeClr val="accent1">
+              <a:shade val="50000"/>
+            </a:schemeClr>
+          </a:lnRef>
+          <a:fillRef idx="1">
+            <a:schemeClr val="accent1"/>
+          </a:fillRef>
+          <a:effectRef idx="0">
+            <a:schemeClr val="accent1"/>
+          </a:effectRef>
+          <a:fontRef idx="minor">
+            <a:schemeClr val="lt1"/>
+          </a:fontRef>
+        </p:style>
+        <p:txBody>
+          <a:bodyPr rtlCol="0" anchor="ctr"/>
+          <a:lstStyle/>
+          <a:p>
+            <a:pPr algn="ctr"/>
+            <a:endParaRPr lang="en-US"/>
+          </a:p>
+        </p:txBody>
+      </p:sp>
+      <p:sp>
+        <p:nvSpPr>
+          <p:cNvPr id="159" name="TextBox 158">
+            <a:extLst>
+              <a:ext uri="{FF2B5EF4-FFF2-40B4-BE49-F238E27FC236}">
+                <a16:creationId xmlns:a16="http://schemas.microsoft.com/office/drawing/2014/main" id="{9B4FB210-03AF-46C1-AA1C-002B7DC39CDC}"/>
+              </a:ext>
+            </a:extLst>
+          </p:cNvPr>
+          <p:cNvSpPr txBox="1"/>
+          <p:nvPr/>
+        </p:nvSpPr>
+        <p:spPr>
+          <a:xfrm>
+            <a:off x="3169246" y="1310962"/>
+            <a:ext cx="1768765" cy="369332"/>
+          </a:xfrm>
+          <a:prstGeom prst="rect">
+            <a:avLst/>
+          </a:prstGeom>
+          <a:noFill/>
+        </p:spPr>
+        <p:txBody>
+          <a:bodyPr wrap="square" rtlCol="0">
+            <a:spAutoFit/>
+          </a:bodyPr>
+          <a:lstStyle/>
+          <a:p>
+            <a:pPr algn="ctr"/>
+            <a:r>
+              <a:rPr lang="en-US" dirty="0"/>
+              <a:t>Tran2</a:t>
+            </a:r>
+          </a:p>
+        </p:txBody>
+      </p:sp>
+      <p:sp>
+        <p:nvSpPr>
+          <p:cNvPr id="160" name="Rounded Rectangle 40">
+            <a:extLst>
+              <a:ext uri="{FF2B5EF4-FFF2-40B4-BE49-F238E27FC236}">
+                <a16:creationId xmlns:a16="http://schemas.microsoft.com/office/drawing/2014/main" id="{D3197B9F-6560-4AF3-9AD8-2E0F69D7A66E}"/>
+              </a:ext>
+            </a:extLst>
+          </p:cNvPr>
+          <p:cNvSpPr/>
+          <p:nvPr/>
+        </p:nvSpPr>
+        <p:spPr>
+          <a:xfrm>
+            <a:off x="2199184" y="1962147"/>
+            <a:ext cx="1651907" cy="1404257"/>
+          </a:xfrm>
+          <a:prstGeom prst="roundRect">
+            <a:avLst/>
+          </a:prstGeom>
+        </p:spPr>
+        <p:style>
+          <a:lnRef idx="2">
+            <a:schemeClr val="accent1">
+              <a:shade val="50000"/>
+            </a:schemeClr>
+          </a:lnRef>
+          <a:fillRef idx="1">
+            <a:schemeClr val="accent1"/>
+          </a:fillRef>
+          <a:effectRef idx="0">
+            <a:schemeClr val="accent1"/>
+          </a:effectRef>
+          <a:fontRef idx="minor">
+            <a:schemeClr val="lt1"/>
+          </a:fontRef>
+        </p:style>
+        <p:txBody>
+          <a:bodyPr rtlCol="0" anchor="ctr"/>
+          <a:lstStyle/>
+          <a:p>
+            <a:pPr algn="ctr"/>
+            <a:endParaRPr lang="en-US"/>
+          </a:p>
+        </p:txBody>
+      </p:sp>
+      <p:sp>
+        <p:nvSpPr>
+          <p:cNvPr id="161" name="TextBox 160">
+            <a:extLst>
+              <a:ext uri="{FF2B5EF4-FFF2-40B4-BE49-F238E27FC236}">
+                <a16:creationId xmlns:a16="http://schemas.microsoft.com/office/drawing/2014/main" id="{721D8F50-7A65-4B59-93C3-8F3BA73DD28C}"/>
+              </a:ext>
+            </a:extLst>
+          </p:cNvPr>
+          <p:cNvSpPr txBox="1"/>
+          <p:nvPr/>
+        </p:nvSpPr>
+        <p:spPr>
+          <a:xfrm>
+            <a:off x="1901765" y="2453101"/>
+            <a:ext cx="2246743" cy="369332"/>
+          </a:xfrm>
+          <a:prstGeom prst="rect">
+            <a:avLst/>
+          </a:prstGeom>
+          <a:noFill/>
+        </p:spPr>
+        <p:txBody>
+          <a:bodyPr wrap="square" rtlCol="0">
+            <a:spAutoFit/>
+          </a:bodyPr>
+          <a:lstStyle/>
+          <a:p>
+            <a:pPr algn="ctr"/>
+            <a:r>
+              <a:rPr lang="en-US" dirty="0"/>
+              <a:t>VLF2</a:t>
+            </a:r>
+          </a:p>
+        </p:txBody>
+      </p:sp>
+      <p:sp>
+        <p:nvSpPr>
+          <p:cNvPr id="162" name="TextBox 161">
+            <a:extLst>
+              <a:ext uri="{FF2B5EF4-FFF2-40B4-BE49-F238E27FC236}">
+                <a16:creationId xmlns:a16="http://schemas.microsoft.com/office/drawing/2014/main" id="{49355AAA-318B-4FBC-B924-5CD725F91748}"/>
+              </a:ext>
+            </a:extLst>
+          </p:cNvPr>
+          <p:cNvSpPr txBox="1"/>
+          <p:nvPr/>
+        </p:nvSpPr>
+        <p:spPr>
+          <a:xfrm>
+            <a:off x="1901764" y="3452897"/>
+            <a:ext cx="2246743" cy="369332"/>
+          </a:xfrm>
+          <a:prstGeom prst="rect">
+            <a:avLst/>
+          </a:prstGeom>
+          <a:noFill/>
+        </p:spPr>
+        <p:txBody>
+          <a:bodyPr wrap="square" rtlCol="0">
+            <a:spAutoFit/>
+          </a:bodyPr>
+          <a:lstStyle/>
+          <a:p>
+            <a:pPr algn="ctr"/>
+            <a:r>
+              <a:rPr lang="en-US" dirty="0"/>
+              <a:t>Active</a:t>
+            </a:r>
+          </a:p>
+        </p:txBody>
+      </p:sp>
+      <p:sp>
+        <p:nvSpPr>
+          <p:cNvPr id="163" name="Rounded Rectangle 43">
+            <a:extLst>
+              <a:ext uri="{FF2B5EF4-FFF2-40B4-BE49-F238E27FC236}">
+                <a16:creationId xmlns:a16="http://schemas.microsoft.com/office/drawing/2014/main" id="{35A90C3C-4AC3-45F0-BEF0-18C7EAA40976}"/>
+              </a:ext>
+            </a:extLst>
+          </p:cNvPr>
+          <p:cNvSpPr/>
+          <p:nvPr/>
+        </p:nvSpPr>
+        <p:spPr>
+          <a:xfrm>
+            <a:off x="3934545" y="1962147"/>
+            <a:ext cx="1651907" cy="1404257"/>
+          </a:xfrm>
+          <a:prstGeom prst="roundRect">
+            <a:avLst/>
+          </a:prstGeom>
+        </p:spPr>
+        <p:style>
+          <a:lnRef idx="2">
+            <a:schemeClr val="accent1">
+              <a:shade val="50000"/>
+            </a:schemeClr>
+          </a:lnRef>
+          <a:fillRef idx="1">
+            <a:schemeClr val="accent1"/>
+          </a:fillRef>
+          <a:effectRef idx="0">
+            <a:schemeClr val="accent1"/>
+          </a:effectRef>
+          <a:fontRef idx="minor">
+            <a:schemeClr val="lt1"/>
+          </a:fontRef>
+        </p:style>
+        <p:txBody>
+          <a:bodyPr rtlCol="0" anchor="ctr"/>
+          <a:lstStyle/>
+          <a:p>
+            <a:pPr algn="ctr"/>
+            <a:endParaRPr lang="en-US"/>
+          </a:p>
+        </p:txBody>
+      </p:sp>
+      <p:sp>
+        <p:nvSpPr>
+          <p:cNvPr id="164" name="TextBox 163">
+            <a:extLst>
+              <a:ext uri="{FF2B5EF4-FFF2-40B4-BE49-F238E27FC236}">
+                <a16:creationId xmlns:a16="http://schemas.microsoft.com/office/drawing/2014/main" id="{85E5CBA3-8745-44F2-AEBC-4A365CF46F39}"/>
+              </a:ext>
+            </a:extLst>
+          </p:cNvPr>
+          <p:cNvSpPr txBox="1"/>
+          <p:nvPr/>
+        </p:nvSpPr>
+        <p:spPr>
+          <a:xfrm>
+            <a:off x="3637126" y="2453101"/>
+            <a:ext cx="2246743" cy="369332"/>
+          </a:xfrm>
+          <a:prstGeom prst="rect">
+            <a:avLst/>
+          </a:prstGeom>
+          <a:noFill/>
+        </p:spPr>
+        <p:txBody>
+          <a:bodyPr wrap="square" rtlCol="0">
+            <a:spAutoFit/>
+          </a:bodyPr>
+          <a:lstStyle/>
+          <a:p>
+            <a:pPr algn="ctr"/>
+            <a:r>
+              <a:rPr lang="en-US" dirty="0"/>
+              <a:t>VLF3</a:t>
+            </a:r>
+          </a:p>
+        </p:txBody>
+      </p:sp>
+      <p:sp>
+        <p:nvSpPr>
+          <p:cNvPr id="165" name="TextBox 164">
+            <a:extLst>
+              <a:ext uri="{FF2B5EF4-FFF2-40B4-BE49-F238E27FC236}">
+                <a16:creationId xmlns:a16="http://schemas.microsoft.com/office/drawing/2014/main" id="{0C65B8FC-D60C-46AD-92F3-7CFC7493E816}"/>
+              </a:ext>
+            </a:extLst>
+          </p:cNvPr>
+          <p:cNvSpPr txBox="1"/>
+          <p:nvPr/>
+        </p:nvSpPr>
+        <p:spPr>
+          <a:xfrm>
+            <a:off x="3637125" y="3452897"/>
+            <a:ext cx="2246743" cy="369332"/>
+          </a:xfrm>
+          <a:prstGeom prst="rect">
+            <a:avLst/>
+          </a:prstGeom>
+          <a:noFill/>
+        </p:spPr>
+        <p:txBody>
+          <a:bodyPr wrap="square" rtlCol="0">
+            <a:spAutoFit/>
+          </a:bodyPr>
+          <a:lstStyle/>
+          <a:p>
+            <a:pPr algn="ctr"/>
+            <a:r>
+              <a:rPr lang="en-US" dirty="0"/>
+              <a:t>Active</a:t>
+            </a:r>
+          </a:p>
+        </p:txBody>
+      </p:sp>
+      <p:sp>
+        <p:nvSpPr>
+          <p:cNvPr id="166" name="Rounded Rectangle 46">
+            <a:extLst>
+              <a:ext uri="{FF2B5EF4-FFF2-40B4-BE49-F238E27FC236}">
+                <a16:creationId xmlns:a16="http://schemas.microsoft.com/office/drawing/2014/main" id="{651A1DC9-6914-40D3-B151-FAF4E306C512}"/>
+              </a:ext>
+            </a:extLst>
+          </p:cNvPr>
+          <p:cNvSpPr/>
+          <p:nvPr/>
+        </p:nvSpPr>
+        <p:spPr>
+          <a:xfrm>
+            <a:off x="5669903" y="1962147"/>
+            <a:ext cx="1651907" cy="1404257"/>
+          </a:xfrm>
+          <a:prstGeom prst="roundRect">
+            <a:avLst/>
+          </a:prstGeom>
+        </p:spPr>
+        <p:style>
+          <a:lnRef idx="2">
+            <a:schemeClr val="accent1">
+              <a:shade val="50000"/>
+            </a:schemeClr>
+          </a:lnRef>
+          <a:fillRef idx="1">
+            <a:schemeClr val="accent1"/>
+          </a:fillRef>
+          <a:effectRef idx="0">
+            <a:schemeClr val="accent1"/>
+          </a:effectRef>
+          <a:fontRef idx="minor">
+            <a:schemeClr val="lt1"/>
+          </a:fontRef>
+        </p:style>
+        <p:txBody>
+          <a:bodyPr rtlCol="0" anchor="ctr"/>
+          <a:lstStyle/>
+          <a:p>
+            <a:pPr algn="ctr"/>
+            <a:endParaRPr lang="en-US"/>
+          </a:p>
+        </p:txBody>
+      </p:sp>
+      <p:sp>
+        <p:nvSpPr>
+          <p:cNvPr id="167" name="TextBox 166">
+            <a:extLst>
+              <a:ext uri="{FF2B5EF4-FFF2-40B4-BE49-F238E27FC236}">
+                <a16:creationId xmlns:a16="http://schemas.microsoft.com/office/drawing/2014/main" id="{D167688E-75D0-498A-AD57-325AFC23A5C3}"/>
+              </a:ext>
+            </a:extLst>
+          </p:cNvPr>
+          <p:cNvSpPr txBox="1"/>
+          <p:nvPr/>
+        </p:nvSpPr>
+        <p:spPr>
+          <a:xfrm>
+            <a:off x="5372484" y="2453101"/>
+            <a:ext cx="2246743" cy="369332"/>
+          </a:xfrm>
+          <a:prstGeom prst="rect">
+            <a:avLst/>
+          </a:prstGeom>
+          <a:noFill/>
+        </p:spPr>
+        <p:txBody>
+          <a:bodyPr wrap="square" rtlCol="0">
+            <a:spAutoFit/>
+          </a:bodyPr>
+          <a:lstStyle/>
+          <a:p>
+            <a:pPr algn="ctr"/>
+            <a:r>
+              <a:rPr lang="en-US" dirty="0"/>
+              <a:t>VLF4</a:t>
+            </a:r>
+          </a:p>
+        </p:txBody>
+      </p:sp>
+      <p:sp>
+        <p:nvSpPr>
+          <p:cNvPr id="168" name="TextBox 167">
+            <a:extLst>
+              <a:ext uri="{FF2B5EF4-FFF2-40B4-BE49-F238E27FC236}">
+                <a16:creationId xmlns:a16="http://schemas.microsoft.com/office/drawing/2014/main" id="{6E5355BF-AB15-4902-8DE7-D04AED462EEA}"/>
+              </a:ext>
+            </a:extLst>
+          </p:cNvPr>
+          <p:cNvSpPr txBox="1"/>
+          <p:nvPr/>
+        </p:nvSpPr>
+        <p:spPr>
+          <a:xfrm>
+            <a:off x="5372483" y="3452897"/>
+            <a:ext cx="2246743" cy="369332"/>
+          </a:xfrm>
+          <a:prstGeom prst="rect">
+            <a:avLst/>
+          </a:prstGeom>
+          <a:noFill/>
+        </p:spPr>
+        <p:txBody>
+          <a:bodyPr wrap="square" rtlCol="0">
+            <a:spAutoFit/>
+          </a:bodyPr>
+          <a:lstStyle/>
+          <a:p>
+            <a:pPr algn="ctr"/>
+            <a:r>
+              <a:rPr lang="en-US" dirty="0"/>
+              <a:t>Active</a:t>
+            </a:r>
+          </a:p>
+        </p:txBody>
+      </p:sp>
+      <p:sp>
+        <p:nvSpPr>
+          <p:cNvPr id="169" name="Rounded Rectangle 49">
+            <a:extLst>
+              <a:ext uri="{FF2B5EF4-FFF2-40B4-BE49-F238E27FC236}">
+                <a16:creationId xmlns:a16="http://schemas.microsoft.com/office/drawing/2014/main" id="{6805F971-E67C-4DD1-8C1C-7E9F5007B5B9}"/>
+              </a:ext>
+            </a:extLst>
+          </p:cNvPr>
+          <p:cNvSpPr/>
+          <p:nvPr/>
+        </p:nvSpPr>
+        <p:spPr>
+          <a:xfrm>
+            <a:off x="7405261" y="1962147"/>
+            <a:ext cx="1620117" cy="1404257"/>
+          </a:xfrm>
+          <a:prstGeom prst="roundRect">
+            <a:avLst/>
+          </a:prstGeom>
+        </p:spPr>
+        <p:style>
+          <a:lnRef idx="2">
+            <a:schemeClr val="accent1">
+              <a:shade val="50000"/>
+            </a:schemeClr>
+          </a:lnRef>
+          <a:fillRef idx="1">
+            <a:schemeClr val="accent1"/>
+          </a:fillRef>
+          <a:effectRef idx="0">
+            <a:schemeClr val="accent1"/>
+          </a:effectRef>
+          <a:fontRef idx="minor">
+            <a:schemeClr val="lt1"/>
+          </a:fontRef>
+        </p:style>
+        <p:txBody>
+          <a:bodyPr rtlCol="0" anchor="ctr"/>
+          <a:lstStyle/>
+          <a:p>
+            <a:pPr algn="ctr"/>
+            <a:endParaRPr lang="en-US"/>
+          </a:p>
+        </p:txBody>
+      </p:sp>
+      <p:sp>
+        <p:nvSpPr>
+          <p:cNvPr id="170" name="TextBox 169">
+            <a:extLst>
+              <a:ext uri="{FF2B5EF4-FFF2-40B4-BE49-F238E27FC236}">
+                <a16:creationId xmlns:a16="http://schemas.microsoft.com/office/drawing/2014/main" id="{DEE904D4-B590-45F9-8F3C-1223B03BB58A}"/>
+              </a:ext>
+            </a:extLst>
+          </p:cNvPr>
+          <p:cNvSpPr txBox="1"/>
+          <p:nvPr/>
+        </p:nvSpPr>
+        <p:spPr>
+          <a:xfrm>
+            <a:off x="6565722" y="2425669"/>
+            <a:ext cx="3299193" cy="369332"/>
+          </a:xfrm>
+          <a:prstGeom prst="rect">
+            <a:avLst/>
+          </a:prstGeom>
+          <a:noFill/>
+        </p:spPr>
+        <p:txBody>
+          <a:bodyPr wrap="square" rtlCol="0">
+            <a:spAutoFit/>
+          </a:bodyPr>
+          <a:lstStyle/>
+          <a:p>
+            <a:pPr algn="ctr"/>
+            <a:r>
+              <a:rPr lang="en-US" dirty="0"/>
+              <a:t>VLF5</a:t>
+            </a:r>
+          </a:p>
+        </p:txBody>
+      </p:sp>
+      <p:sp>
+        <p:nvSpPr>
+          <p:cNvPr id="171" name="TextBox 170">
+            <a:extLst>
+              <a:ext uri="{FF2B5EF4-FFF2-40B4-BE49-F238E27FC236}">
+                <a16:creationId xmlns:a16="http://schemas.microsoft.com/office/drawing/2014/main" id="{1B709165-97E9-41D5-9860-9DE68F23E0B8}"/>
+              </a:ext>
+            </a:extLst>
+          </p:cNvPr>
+          <p:cNvSpPr txBox="1"/>
+          <p:nvPr/>
+        </p:nvSpPr>
+        <p:spPr>
+          <a:xfrm>
+            <a:off x="6565721" y="3447350"/>
+            <a:ext cx="3299193" cy="369332"/>
+          </a:xfrm>
+          <a:prstGeom prst="rect">
+            <a:avLst/>
+          </a:prstGeom>
+          <a:noFill/>
+        </p:spPr>
+        <p:txBody>
+          <a:bodyPr wrap="square" rtlCol="0">
+            <a:spAutoFit/>
+          </a:bodyPr>
+          <a:lstStyle/>
+          <a:p>
+            <a:pPr algn="ctr"/>
+            <a:r>
+              <a:rPr lang="en-US" dirty="0"/>
+              <a:t>Active</a:t>
+            </a:r>
+          </a:p>
+        </p:txBody>
+      </p:sp>
+      <p:sp>
+        <p:nvSpPr>
+          <p:cNvPr id="172" name="Right Arrow 19">
+            <a:extLst>
+              <a:ext uri="{FF2B5EF4-FFF2-40B4-BE49-F238E27FC236}">
+                <a16:creationId xmlns:a16="http://schemas.microsoft.com/office/drawing/2014/main" id="{A8A9EC4B-A841-4A75-AB75-5E822B4287E3}"/>
+              </a:ext>
+            </a:extLst>
+          </p:cNvPr>
+          <p:cNvSpPr/>
+          <p:nvPr/>
+        </p:nvSpPr>
+        <p:spPr>
+          <a:xfrm>
+            <a:off x="5257236" y="815555"/>
+            <a:ext cx="2888687" cy="1313905"/>
+          </a:xfrm>
+          <a:prstGeom prst="rightArrow">
+            <a:avLst/>
+          </a:prstGeom>
+        </p:spPr>
+        <p:style>
+          <a:lnRef idx="2">
+            <a:schemeClr val="accent1">
+              <a:shade val="50000"/>
+            </a:schemeClr>
+          </a:lnRef>
+          <a:fillRef idx="1">
+            <a:schemeClr val="accent1"/>
+          </a:fillRef>
+          <a:effectRef idx="0">
+            <a:schemeClr val="accent1"/>
+          </a:effectRef>
+          <a:fontRef idx="minor">
+            <a:schemeClr val="lt1"/>
+          </a:fontRef>
+        </p:style>
+        <p:txBody>
+          <a:bodyPr rtlCol="0" anchor="ctr"/>
+          <a:lstStyle/>
+          <a:p>
+            <a:pPr algn="ctr"/>
+            <a:endParaRPr lang="en-US"/>
+          </a:p>
+        </p:txBody>
+      </p:sp>
+      <p:sp>
+        <p:nvSpPr>
+          <p:cNvPr id="173" name="TextBox 172">
+            <a:extLst>
+              <a:ext uri="{FF2B5EF4-FFF2-40B4-BE49-F238E27FC236}">
+                <a16:creationId xmlns:a16="http://schemas.microsoft.com/office/drawing/2014/main" id="{57B6D274-8293-4203-A1FF-C659A3488070}"/>
+              </a:ext>
+            </a:extLst>
+          </p:cNvPr>
+          <p:cNvSpPr txBox="1"/>
+          <p:nvPr/>
+        </p:nvSpPr>
+        <p:spPr>
+          <a:xfrm>
+            <a:off x="5617281" y="1310962"/>
+            <a:ext cx="1768765" cy="369332"/>
+          </a:xfrm>
+          <a:prstGeom prst="rect">
+            <a:avLst/>
+          </a:prstGeom>
+          <a:noFill/>
+        </p:spPr>
+        <p:txBody>
+          <a:bodyPr wrap="square" rtlCol="0">
+            <a:spAutoFit/>
+          </a:bodyPr>
+          <a:lstStyle/>
+          <a:p>
+            <a:pPr algn="ctr"/>
+            <a:r>
+              <a:rPr lang="en-US" dirty="0"/>
+              <a:t>Tran3</a:t>
+            </a:r>
+          </a:p>
+        </p:txBody>
+      </p:sp>
+    </p:spTree>
+    <p:extLst>
+      <p:ext uri="{BB962C8B-B14F-4D97-AF65-F5344CB8AC3E}">
+        <p14:creationId xmlns:p14="http://schemas.microsoft.com/office/powerpoint/2010/main" val="3291408477"/>
+      </p:ext>
+    </p:extLst>
+  </p:cSld>
+  <p:clrMapOvr>
+    <a:masterClrMapping/>
+  </p:clrMapOvr>
+</p:sld>
+</file>
+
+<file path=ppt/slides/slide21.xml><?xml version="1.0" encoding="utf-8"?>
 <p:sld xmlns:a="http://schemas.openxmlformats.org/drawingml/2006/main" xmlns:r="http://schemas.openxmlformats.org/officeDocument/2006/relationships" xmlns:p="http://schemas.openxmlformats.org/presentationml/2006/main">
   <p:cSld>
     <p:spTree>
@@ -19420,7 +19603,7 @@
 </p:sld>
 </file>
 
-<file path=ppt/slides/slide21.xml><?xml version="1.0" encoding="utf-8"?>
+<file path=ppt/slides/slide22.xml><?xml version="1.0" encoding="utf-8"?>
 <p:sld xmlns:a="http://schemas.openxmlformats.org/drawingml/2006/main" xmlns:r="http://schemas.openxmlformats.org/officeDocument/2006/relationships" xmlns:p="http://schemas.openxmlformats.org/presentationml/2006/main">
   <p:cSld>
     <p:spTree>
@@ -19554,94 +19737,6 @@
 </p:sld>
 </file>
 
-<file path=ppt/slides/slide22.xml><?xml version="1.0" encoding="utf-8"?>
-<p:sld xmlns:a="http://schemas.openxmlformats.org/drawingml/2006/main" xmlns:r="http://schemas.openxmlformats.org/officeDocument/2006/relationships" xmlns:p="http://schemas.openxmlformats.org/presentationml/2006/main">
-  <p:cSld>
-    <p:spTree>
-      <p:nvGrpSpPr>
-        <p:cNvPr id="1" name=""/>
-        <p:cNvGrpSpPr/>
-        <p:nvPr/>
-      </p:nvGrpSpPr>
-      <p:grpSpPr>
-        <a:xfrm>
-          <a:off x="0" y="0"/>
-          <a:ext cx="0" cy="0"/>
-          <a:chOff x="0" y="0"/>
-          <a:chExt cx="0" cy="0"/>
-        </a:xfrm>
-      </p:grpSpPr>
-      <p:sp>
-        <p:nvSpPr>
-          <p:cNvPr id="38" name="Title 37"/>
-          <p:cNvSpPr>
-            <a:spLocks noGrp="1"/>
-          </p:cNvSpPr>
-          <p:nvPr>
-            <p:ph type="title"/>
-          </p:nvPr>
-        </p:nvSpPr>
-        <p:spPr/>
-        <p:txBody>
-          <a:bodyPr/>
-          <a:lstStyle/>
-          <a:p>
-            <a:r>
-              <a:rPr lang="en-US" dirty="0"/>
-              <a:t>Autogrowth</a:t>
-            </a:r>
-          </a:p>
-        </p:txBody>
-      </p:sp>
-      <p:sp>
-        <p:nvSpPr>
-          <p:cNvPr id="47" name="Content Placeholder 46"/>
-          <p:cNvSpPr>
-            <a:spLocks noGrp="1"/>
-          </p:cNvSpPr>
-          <p:nvPr>
-            <p:ph sz="quarter" idx="11"/>
-          </p:nvPr>
-        </p:nvSpPr>
-        <p:spPr>
-          <a:xfrm>
-            <a:off x="322028" y="1002323"/>
-            <a:ext cx="8261350" cy="407104"/>
-          </a:xfrm>
-        </p:spPr>
-        <p:txBody>
-          <a:bodyPr/>
-          <a:lstStyle/>
-          <a:p>
-            <a:r>
-              <a:rPr lang="en-US" dirty="0"/>
-              <a:t>You want it on</a:t>
-            </a:r>
-          </a:p>
-          <a:p>
-            <a:r>
-              <a:rPr lang="en-US" dirty="0"/>
-              <a:t>Don’t work without a net</a:t>
-            </a:r>
-          </a:p>
-          <a:p>
-            <a:endParaRPr lang="en-US" dirty="0"/>
-          </a:p>
-        </p:txBody>
-      </p:sp>
-    </p:spTree>
-    <p:extLst>
-      <p:ext uri="{BB962C8B-B14F-4D97-AF65-F5344CB8AC3E}">
-        <p14:creationId xmlns:p14="http://schemas.microsoft.com/office/powerpoint/2010/main" val="608001797"/>
-      </p:ext>
-    </p:extLst>
-  </p:cSld>
-  <p:clrMapOvr>
-    <a:masterClrMapping/>
-  </p:clrMapOvr>
-</p:sld>
-</file>
-
 <file path=ppt/slides/slide23.xml><?xml version="1.0" encoding="utf-8"?>
 <p:sld xmlns:a="http://schemas.openxmlformats.org/drawingml/2006/main" xmlns:r="http://schemas.openxmlformats.org/officeDocument/2006/relationships" xmlns:p="http://schemas.openxmlformats.org/presentationml/2006/main">
   <p:cSld>
@@ -19713,12 +19808,6 @@
             </a:r>
           </a:p>
           <a:p>
-            <a:r>
-              <a:rPr lang="en-US" dirty="0"/>
-              <a:t>Do set filegrowth to a fixed amount</a:t>
-            </a:r>
-          </a:p>
-          <a:p>
             <a:endParaRPr lang="en-US" dirty="0"/>
           </a:p>
         </p:txBody>
@@ -19726,7 +19815,7 @@
     </p:spTree>
     <p:extLst>
       <p:ext uri="{BB962C8B-B14F-4D97-AF65-F5344CB8AC3E}">
-        <p14:creationId xmlns:p14="http://schemas.microsoft.com/office/powerpoint/2010/main" val="4280853717"/>
+        <p14:creationId xmlns:p14="http://schemas.microsoft.com/office/powerpoint/2010/main" val="608001797"/>
       </p:ext>
     </p:extLst>
   </p:cSld>
@@ -19813,12 +19902,6 @@
             </a:r>
           </a:p>
           <a:p>
-            <a:r>
-              <a:rPr lang="en-US" dirty="0"/>
-              <a:t>This</a:t>
-            </a:r>
-          </a:p>
-          <a:p>
             <a:endParaRPr lang="en-US" dirty="0"/>
           </a:p>
         </p:txBody>
@@ -19826,7 +19909,7 @@
     </p:spTree>
     <p:extLst>
       <p:ext uri="{BB962C8B-B14F-4D97-AF65-F5344CB8AC3E}">
-        <p14:creationId xmlns:p14="http://schemas.microsoft.com/office/powerpoint/2010/main" val="944373129"/>
+        <p14:creationId xmlns:p14="http://schemas.microsoft.com/office/powerpoint/2010/main" val="4280853717"/>
       </p:ext>
     </p:extLst>
   </p:cSld>
@@ -19870,6 +19953,106 @@
           <a:p>
             <a:r>
               <a:rPr lang="en-US" dirty="0"/>
+              <a:t>Autogrowth</a:t>
+            </a:r>
+          </a:p>
+        </p:txBody>
+      </p:sp>
+      <p:sp>
+        <p:nvSpPr>
+          <p:cNvPr id="47" name="Content Placeholder 46"/>
+          <p:cNvSpPr>
+            <a:spLocks noGrp="1"/>
+          </p:cNvSpPr>
+          <p:nvPr>
+            <p:ph sz="quarter" idx="11"/>
+          </p:nvPr>
+        </p:nvSpPr>
+        <p:spPr>
+          <a:xfrm>
+            <a:off x="322028" y="1002323"/>
+            <a:ext cx="8261350" cy="407104"/>
+          </a:xfrm>
+        </p:spPr>
+        <p:txBody>
+          <a:bodyPr/>
+          <a:lstStyle/>
+          <a:p>
+            <a:r>
+              <a:rPr lang="en-US" dirty="0"/>
+              <a:t>You want it on</a:t>
+            </a:r>
+          </a:p>
+          <a:p>
+            <a:r>
+              <a:rPr lang="en-US" dirty="0"/>
+              <a:t>Don’t work without a net</a:t>
+            </a:r>
+          </a:p>
+          <a:p>
+            <a:r>
+              <a:rPr lang="en-US" dirty="0"/>
+              <a:t>Do set filegrowth to a fixed amount</a:t>
+            </a:r>
+          </a:p>
+          <a:p>
+            <a:r>
+              <a:rPr lang="en-US" dirty="0"/>
+              <a:t>This</a:t>
+            </a:r>
+          </a:p>
+          <a:p>
+            <a:endParaRPr lang="en-US" dirty="0"/>
+          </a:p>
+        </p:txBody>
+      </p:sp>
+    </p:spTree>
+    <p:extLst>
+      <p:ext uri="{BB962C8B-B14F-4D97-AF65-F5344CB8AC3E}">
+        <p14:creationId xmlns:p14="http://schemas.microsoft.com/office/powerpoint/2010/main" val="944373129"/>
+      </p:ext>
+    </p:extLst>
+  </p:cSld>
+  <p:clrMapOvr>
+    <a:masterClrMapping/>
+  </p:clrMapOvr>
+</p:sld>
+</file>
+
+<file path=ppt/slides/slide26.xml><?xml version="1.0" encoding="utf-8"?>
+<p:sld xmlns:a="http://schemas.openxmlformats.org/drawingml/2006/main" xmlns:r="http://schemas.openxmlformats.org/officeDocument/2006/relationships" xmlns:p="http://schemas.openxmlformats.org/presentationml/2006/main">
+  <p:cSld>
+    <p:spTree>
+      <p:nvGrpSpPr>
+        <p:cNvPr id="1" name=""/>
+        <p:cNvGrpSpPr/>
+        <p:nvPr/>
+      </p:nvGrpSpPr>
+      <p:grpSpPr>
+        <a:xfrm>
+          <a:off x="0" y="0"/>
+          <a:ext cx="0" cy="0"/>
+          <a:chOff x="0" y="0"/>
+          <a:chExt cx="0" cy="0"/>
+        </a:xfrm>
+      </p:grpSpPr>
+      <p:sp>
+        <p:nvSpPr>
+          <p:cNvPr id="38" name="Title 37"/>
+          <p:cNvSpPr>
+            <a:spLocks noGrp="1"/>
+          </p:cNvSpPr>
+          <p:nvPr>
+            <p:ph type="title"/>
+          </p:nvPr>
+        </p:nvSpPr>
+        <p:spPr/>
+        <p:txBody>
+          <a:bodyPr/>
+          <a:lstStyle/>
+          <a:p>
+            <a:r>
+              <a:rPr lang="en-US" dirty="0"/>
               <a:t>Autogrowth with fixed growth</a:t>
             </a:r>
           </a:p>
@@ -19941,106 +20124,6 @@
 </p:sld>
 </file>
 
-<file path=ppt/slides/slide26.xml><?xml version="1.0" encoding="utf-8"?>
-<p:sld xmlns:a="http://schemas.openxmlformats.org/drawingml/2006/main" xmlns:r="http://schemas.openxmlformats.org/officeDocument/2006/relationships" xmlns:p="http://schemas.openxmlformats.org/presentationml/2006/main">
-  <p:cSld>
-    <p:spTree>
-      <p:nvGrpSpPr>
-        <p:cNvPr id="1" name=""/>
-        <p:cNvGrpSpPr/>
-        <p:nvPr/>
-      </p:nvGrpSpPr>
-      <p:grpSpPr>
-        <a:xfrm>
-          <a:off x="0" y="0"/>
-          <a:ext cx="0" cy="0"/>
-          <a:chOff x="0" y="0"/>
-          <a:chExt cx="0" cy="0"/>
-        </a:xfrm>
-      </p:grpSpPr>
-      <p:sp>
-        <p:nvSpPr>
-          <p:cNvPr id="38" name="Title 37"/>
-          <p:cNvSpPr>
-            <a:spLocks noGrp="1"/>
-          </p:cNvSpPr>
-          <p:nvPr>
-            <p:ph type="title"/>
-          </p:nvPr>
-        </p:nvSpPr>
-        <p:spPr/>
-        <p:txBody>
-          <a:bodyPr/>
-          <a:lstStyle/>
-          <a:p>
-            <a:r>
-              <a:rPr lang="en-US" dirty="0"/>
-              <a:t>Autogrowth</a:t>
-            </a:r>
-          </a:p>
-        </p:txBody>
-      </p:sp>
-      <p:sp>
-        <p:nvSpPr>
-          <p:cNvPr id="47" name="Content Placeholder 46"/>
-          <p:cNvSpPr>
-            <a:spLocks noGrp="1"/>
-          </p:cNvSpPr>
-          <p:nvPr>
-            <p:ph sz="quarter" idx="11"/>
-          </p:nvPr>
-        </p:nvSpPr>
-        <p:spPr>
-          <a:xfrm>
-            <a:off x="322028" y="1002323"/>
-            <a:ext cx="8261350" cy="407104"/>
-          </a:xfrm>
-        </p:spPr>
-        <p:txBody>
-          <a:bodyPr/>
-          <a:lstStyle/>
-          <a:p>
-            <a:r>
-              <a:rPr lang="en-US" dirty="0"/>
-              <a:t>You want it on</a:t>
-            </a:r>
-          </a:p>
-          <a:p>
-            <a:r>
-              <a:rPr lang="en-US" dirty="0"/>
-              <a:t>Don’t work without a net</a:t>
-            </a:r>
-          </a:p>
-          <a:p>
-            <a:r>
-              <a:rPr lang="en-US" dirty="0"/>
-              <a:t>Do set filegrowth to a fixed amount</a:t>
-            </a:r>
-          </a:p>
-          <a:p>
-            <a:r>
-              <a:rPr lang="en-US" dirty="0"/>
-              <a:t>Not this</a:t>
-            </a:r>
-          </a:p>
-          <a:p>
-            <a:endParaRPr lang="en-US" dirty="0"/>
-          </a:p>
-        </p:txBody>
-      </p:sp>
-    </p:spTree>
-    <p:extLst>
-      <p:ext uri="{BB962C8B-B14F-4D97-AF65-F5344CB8AC3E}">
-        <p14:creationId xmlns:p14="http://schemas.microsoft.com/office/powerpoint/2010/main" val="276817791"/>
-      </p:ext>
-    </p:extLst>
-  </p:cSld>
-  <p:clrMapOvr>
-    <a:masterClrMapping/>
-  </p:clrMapOvr>
-</p:sld>
-</file>
-
 <file path=ppt/slides/slide27.xml><?xml version="1.0" encoding="utf-8"?>
 <p:sld xmlns:a="http://schemas.openxmlformats.org/drawingml/2006/main" xmlns:r="http://schemas.openxmlformats.org/officeDocument/2006/relationships" xmlns:p="http://schemas.openxmlformats.org/presentationml/2006/main">
   <p:cSld>
@@ -20075,7 +20158,7 @@
           <a:p>
             <a:r>
               <a:rPr lang="en-US" dirty="0"/>
-              <a:t>Autogrowth with percent growth</a:t>
+              <a:t>Autogrowth</a:t>
             </a:r>
           </a:p>
         </p:txBody>
@@ -20100,69 +20183,38 @@
           <a:bodyPr/>
           <a:lstStyle/>
           <a:p>
+            <a:r>
+              <a:rPr lang="en-US" dirty="0"/>
+              <a:t>You want it on</a:t>
+            </a:r>
+          </a:p>
+          <a:p>
+            <a:r>
+              <a:rPr lang="en-US" dirty="0"/>
+              <a:t>Don’t work without a net</a:t>
+            </a:r>
+          </a:p>
+          <a:p>
+            <a:r>
+              <a:rPr lang="en-US" dirty="0"/>
+              <a:t>Do set filegrowth to a fixed amount</a:t>
+            </a:r>
+          </a:p>
+          <a:p>
+            <a:r>
+              <a:rPr lang="en-US" dirty="0"/>
+              <a:t>Not this</a:t>
+            </a:r>
+          </a:p>
+          <a:p>
             <a:endParaRPr lang="en-US" dirty="0"/>
           </a:p>
         </p:txBody>
       </p:sp>
-      <p:sp>
-        <p:nvSpPr>
-          <p:cNvPr id="3" name="Content Placeholder 2">
-            <a:extLst>
-              <a:ext uri="{FF2B5EF4-FFF2-40B4-BE49-F238E27FC236}">
-                <a16:creationId xmlns:a16="http://schemas.microsoft.com/office/drawing/2014/main" id="{47E179AF-6958-4BED-AF72-A438959930E8}"/>
-              </a:ext>
-            </a:extLst>
-          </p:cNvPr>
-          <p:cNvSpPr>
-            <a:spLocks noGrp="1"/>
-          </p:cNvSpPr>
-          <p:nvPr>
-            <p:ph sz="quarter" idx="10"/>
-          </p:nvPr>
-        </p:nvSpPr>
-        <p:spPr/>
-        <p:txBody>
-          <a:bodyPr/>
-          <a:lstStyle/>
-          <a:p>
-            <a:endParaRPr lang="en-US" dirty="0"/>
-          </a:p>
-        </p:txBody>
-      </p:sp>
-      <p:pic>
-        <p:nvPicPr>
-          <p:cNvPr id="7" name="Content Placeholder 4">
-            <a:extLst>
-              <a:ext uri="{FF2B5EF4-FFF2-40B4-BE49-F238E27FC236}">
-                <a16:creationId xmlns:a16="http://schemas.microsoft.com/office/drawing/2014/main" id="{5FC57019-655C-4998-86BC-7A76EB9C4BD8}"/>
-              </a:ext>
-            </a:extLst>
-          </p:cNvPr>
-          <p:cNvPicPr>
-            <a:picLocks noChangeAspect="1"/>
-          </p:cNvPicPr>
-          <p:nvPr/>
-        </p:nvPicPr>
-        <p:blipFill>
-          <a:blip r:embed="rId2"/>
-          <a:stretch>
-            <a:fillRect/>
-          </a:stretch>
-        </p:blipFill>
-        <p:spPr>
-          <a:xfrm>
-            <a:off x="2317701" y="985838"/>
-            <a:ext cx="4251423" cy="2917825"/>
-          </a:xfrm>
-          <a:prstGeom prst="rect">
-            <a:avLst/>
-          </a:prstGeom>
-        </p:spPr>
-      </p:pic>
     </p:spTree>
     <p:extLst>
       <p:ext uri="{BB962C8B-B14F-4D97-AF65-F5344CB8AC3E}">
-        <p14:creationId xmlns:p14="http://schemas.microsoft.com/office/powerpoint/2010/main" val="2828763241"/>
+        <p14:creationId xmlns:p14="http://schemas.microsoft.com/office/powerpoint/2010/main" val="276817791"/>
       </p:ext>
     </p:extLst>
   </p:cSld>
@@ -20191,12 +20243,12 @@
       </p:grpSpPr>
       <p:sp>
         <p:nvSpPr>
-          <p:cNvPr id="4" name="Title 3"/>
+          <p:cNvPr id="38" name="Title 37"/>
           <p:cNvSpPr>
             <a:spLocks noGrp="1"/>
           </p:cNvSpPr>
           <p:nvPr>
-            <p:ph type="ctrTitle"/>
+            <p:ph type="title"/>
           </p:nvPr>
         </p:nvSpPr>
         <p:spPr/>
@@ -20206,37 +20258,94 @@
           <a:p>
             <a:r>
               <a:rPr lang="en-US" dirty="0"/>
-              <a:t>Autogrowth</a:t>
-            </a:r>
-          </a:p>
-        </p:txBody>
-      </p:sp>
-      <p:sp>
-        <p:nvSpPr>
-          <p:cNvPr id="5" name="Subtitle 4"/>
+              <a:t>Autogrowth with percent growth</a:t>
+            </a:r>
+          </a:p>
+        </p:txBody>
+      </p:sp>
+      <p:sp>
+        <p:nvSpPr>
+          <p:cNvPr id="47" name="Content Placeholder 46"/>
           <p:cNvSpPr>
             <a:spLocks noGrp="1"/>
           </p:cNvSpPr>
           <p:nvPr>
-            <p:ph type="subTitle" idx="1"/>
+            <p:ph sz="quarter" idx="11"/>
           </p:nvPr>
         </p:nvSpPr>
-        <p:spPr/>
+        <p:spPr>
+          <a:xfrm>
+            <a:off x="322028" y="1002323"/>
+            <a:ext cx="8261350" cy="407104"/>
+          </a:xfrm>
+        </p:spPr>
         <p:txBody>
           <a:bodyPr/>
           <a:lstStyle/>
           <a:p>
-            <a:r>
-              <a:rPr lang="en-US" dirty="0"/>
-              <a:t>Demo</a:t>
-            </a:r>
-          </a:p>
-        </p:txBody>
-      </p:sp>
+            <a:endParaRPr lang="en-US" dirty="0"/>
+          </a:p>
+        </p:txBody>
+      </p:sp>
+      <p:sp>
+        <p:nvSpPr>
+          <p:cNvPr id="3" name="Content Placeholder 2">
+            <a:extLst>
+              <a:ext uri="{FF2B5EF4-FFF2-40B4-BE49-F238E27FC236}">
+                <a16:creationId xmlns:a16="http://schemas.microsoft.com/office/drawing/2014/main" id="{47E179AF-6958-4BED-AF72-A438959930E8}"/>
+              </a:ext>
+            </a:extLst>
+          </p:cNvPr>
+          <p:cNvSpPr>
+            <a:spLocks noGrp="1"/>
+          </p:cNvSpPr>
+          <p:nvPr>
+            <p:ph sz="quarter" idx="10"/>
+          </p:nvPr>
+        </p:nvSpPr>
+        <p:spPr/>
+        <p:txBody>
+          <a:bodyPr/>
+          <a:lstStyle/>
+          <a:p>
+            <a:endParaRPr lang="en-US" dirty="0"/>
+          </a:p>
+        </p:txBody>
+      </p:sp>
+      <p:pic>
+        <p:nvPicPr>
+          <p:cNvPr id="7" name="Content Placeholder 4">
+            <a:extLst>
+              <a:ext uri="{FF2B5EF4-FFF2-40B4-BE49-F238E27FC236}">
+                <a16:creationId xmlns:a16="http://schemas.microsoft.com/office/drawing/2014/main" id="{5FC57019-655C-4998-86BC-7A76EB9C4BD8}"/>
+              </a:ext>
+            </a:extLst>
+          </p:cNvPr>
+          <p:cNvPicPr>
+            <a:picLocks noChangeAspect="1"/>
+          </p:cNvPicPr>
+          <p:nvPr/>
+        </p:nvPicPr>
+        <p:blipFill>
+          <a:blip r:embed="rId2"/>
+          <a:stretch>
+            <a:fillRect/>
+          </a:stretch>
+        </p:blipFill>
+        <p:spPr>
+          <a:xfrm>
+            <a:off x="2317701" y="985838"/>
+            <a:ext cx="4251423" cy="2917825"/>
+          </a:xfrm>
+          <a:prstGeom prst="rect">
+            <a:avLst/>
+          </a:prstGeom>
+        </p:spPr>
+      </p:pic>
     </p:spTree>
     <p:extLst>
       <p:ext uri="{BB962C8B-B14F-4D97-AF65-F5344CB8AC3E}">
-        <p14:creationId xmlns:p14="http://schemas.microsoft.com/office/powerpoint/2010/main" val="590056916"/>
+        <p14:creationId xmlns:p14="http://schemas.microsoft.com/office/powerpoint/2010/main" val="2828763241"/>
       </p:ext>
     </p:extLst>
   </p:cSld>
@@ -20265,12 +20374,12 @@
       </p:grpSpPr>
       <p:sp>
         <p:nvSpPr>
-          <p:cNvPr id="38" name="Title 37"/>
+          <p:cNvPr id="4" name="Title 3"/>
           <p:cNvSpPr>
             <a:spLocks noGrp="1"/>
           </p:cNvSpPr>
           <p:nvPr>
-            <p:ph type="title"/>
+            <p:ph type="ctrTitle"/>
           </p:nvPr>
         </p:nvSpPr>
         <p:spPr/>
@@ -20280,86 +20389,37 @@
           <a:p>
             <a:r>
               <a:rPr lang="en-US" dirty="0"/>
-              <a:t>Demo Environment</a:t>
-            </a:r>
-          </a:p>
-        </p:txBody>
-      </p:sp>
-      <p:sp>
-        <p:nvSpPr>
-          <p:cNvPr id="47" name="Content Placeholder 46"/>
+              <a:t>Autogrowth</a:t>
+            </a:r>
+          </a:p>
+        </p:txBody>
+      </p:sp>
+      <p:sp>
+        <p:nvSpPr>
+          <p:cNvPr id="5" name="Subtitle 4"/>
           <p:cNvSpPr>
             <a:spLocks noGrp="1"/>
           </p:cNvSpPr>
           <p:nvPr>
-            <p:ph sz="quarter" idx="11"/>
+            <p:ph type="subTitle" idx="1"/>
           </p:nvPr>
         </p:nvSpPr>
-        <p:spPr>
-          <a:xfrm>
-            <a:off x="322028" y="1002323"/>
-            <a:ext cx="8261350" cy="407104"/>
-          </a:xfrm>
-        </p:spPr>
+        <p:spPr/>
         <p:txBody>
           <a:bodyPr/>
           <a:lstStyle/>
           <a:p>
             <a:r>
               <a:rPr lang="en-US" dirty="0"/>
-              <a:t>Two databases</a:t>
-            </a:r>
-          </a:p>
-          <a:p>
-            <a:pPr lvl="1" indent="0">
-              <a:buNone/>
-            </a:pPr>
-            <a:r>
-              <a:rPr lang="en-US" dirty="0" err="1"/>
-              <a:t>BigLog</a:t>
-            </a:r>
-            <a:r>
-              <a:rPr lang="en-US" dirty="0"/>
-              <a:t> – 1GB log file 1GB filegrowth</a:t>
-            </a:r>
-          </a:p>
-          <a:p>
-            <a:pPr lvl="1" indent="0">
-              <a:buNone/>
-            </a:pPr>
-            <a:r>
-              <a:rPr lang="en-US" dirty="0" err="1"/>
-              <a:t>SmallLog</a:t>
-            </a:r>
-            <a:r>
-              <a:rPr lang="en-US" dirty="0"/>
-              <a:t> – 8MB log file 1MB filegrowth</a:t>
-            </a:r>
-          </a:p>
-          <a:p>
-            <a:r>
-              <a:rPr lang="en-US" dirty="0"/>
-              <a:t>Same table in each database</a:t>
-            </a:r>
-          </a:p>
-          <a:p>
-            <a:r>
-              <a:rPr lang="en-US" dirty="0"/>
-              <a:t>Insert 100,000 rows into each table</a:t>
-            </a:r>
-          </a:p>
-          <a:p>
-            <a:endParaRPr lang="en-US" dirty="0"/>
-          </a:p>
-          <a:p>
-            <a:endParaRPr lang="en-US" dirty="0"/>
+              <a:t>Demo</a:t>
+            </a:r>
           </a:p>
         </p:txBody>
       </p:sp>
     </p:spTree>
     <p:extLst>
       <p:ext uri="{BB962C8B-B14F-4D97-AF65-F5344CB8AC3E}">
-        <p14:creationId xmlns:p14="http://schemas.microsoft.com/office/powerpoint/2010/main" val="3739685149"/>
+        <p14:creationId xmlns:p14="http://schemas.microsoft.com/office/powerpoint/2010/main" val="590056916"/>
       </p:ext>
     </p:extLst>
   </p:cSld>
@@ -20433,6 +20493,129 @@
           <a:p>
             <a:r>
               <a:rPr lang="en-US" dirty="0"/>
+              <a:t>Demo Environment</a:t>
+            </a:r>
+          </a:p>
+        </p:txBody>
+      </p:sp>
+      <p:sp>
+        <p:nvSpPr>
+          <p:cNvPr id="47" name="Content Placeholder 46"/>
+          <p:cNvSpPr>
+            <a:spLocks noGrp="1"/>
+          </p:cNvSpPr>
+          <p:nvPr>
+            <p:ph sz="quarter" idx="11"/>
+          </p:nvPr>
+        </p:nvSpPr>
+        <p:spPr>
+          <a:xfrm>
+            <a:off x="322028" y="1002323"/>
+            <a:ext cx="8261350" cy="407104"/>
+          </a:xfrm>
+        </p:spPr>
+        <p:txBody>
+          <a:bodyPr/>
+          <a:lstStyle/>
+          <a:p>
+            <a:r>
+              <a:rPr lang="en-US" dirty="0"/>
+              <a:t>Two databases</a:t>
+            </a:r>
+          </a:p>
+          <a:p>
+            <a:pPr lvl="1" indent="0">
+              <a:buNone/>
+            </a:pPr>
+            <a:r>
+              <a:rPr lang="en-US" dirty="0" err="1"/>
+              <a:t>BigLog</a:t>
+            </a:r>
+            <a:r>
+              <a:rPr lang="en-US" dirty="0"/>
+              <a:t> – 1GB log file 1GB filegrowth</a:t>
+            </a:r>
+          </a:p>
+          <a:p>
+            <a:pPr lvl="1" indent="0">
+              <a:buNone/>
+            </a:pPr>
+            <a:r>
+              <a:rPr lang="en-US" dirty="0" err="1"/>
+              <a:t>SmallLog</a:t>
+            </a:r>
+            <a:r>
+              <a:rPr lang="en-US" dirty="0"/>
+              <a:t> – 8MB log file 1MB filegrowth</a:t>
+            </a:r>
+          </a:p>
+          <a:p>
+            <a:r>
+              <a:rPr lang="en-US" dirty="0"/>
+              <a:t>Same table in each database</a:t>
+            </a:r>
+          </a:p>
+          <a:p>
+            <a:r>
+              <a:rPr lang="en-US" dirty="0"/>
+              <a:t>Insert 100,000 rows into each table</a:t>
+            </a:r>
+          </a:p>
+          <a:p>
+            <a:endParaRPr lang="en-US" dirty="0"/>
+          </a:p>
+          <a:p>
+            <a:endParaRPr lang="en-US" dirty="0"/>
+          </a:p>
+        </p:txBody>
+      </p:sp>
+    </p:spTree>
+    <p:extLst>
+      <p:ext uri="{BB962C8B-B14F-4D97-AF65-F5344CB8AC3E}">
+        <p14:creationId xmlns:p14="http://schemas.microsoft.com/office/powerpoint/2010/main" val="3739685149"/>
+      </p:ext>
+    </p:extLst>
+  </p:cSld>
+  <p:clrMapOvr>
+    <a:masterClrMapping/>
+  </p:clrMapOvr>
+</p:sld>
+</file>
+
+<file path=ppt/slides/slide31.xml><?xml version="1.0" encoding="utf-8"?>
+<p:sld xmlns:a="http://schemas.openxmlformats.org/drawingml/2006/main" xmlns:r="http://schemas.openxmlformats.org/officeDocument/2006/relationships" xmlns:p="http://schemas.openxmlformats.org/presentationml/2006/main">
+  <p:cSld>
+    <p:spTree>
+      <p:nvGrpSpPr>
+        <p:cNvPr id="1" name=""/>
+        <p:cNvGrpSpPr/>
+        <p:nvPr/>
+      </p:nvGrpSpPr>
+      <p:grpSpPr>
+        <a:xfrm>
+          <a:off x="0" y="0"/>
+          <a:ext cx="0" cy="0"/>
+          <a:chOff x="0" y="0"/>
+          <a:chExt cx="0" cy="0"/>
+        </a:xfrm>
+      </p:grpSpPr>
+      <p:sp>
+        <p:nvSpPr>
+          <p:cNvPr id="38" name="Title 37"/>
+          <p:cNvSpPr>
+            <a:spLocks noGrp="1"/>
+          </p:cNvSpPr>
+          <p:nvPr>
+            <p:ph type="title"/>
+          </p:nvPr>
+        </p:nvSpPr>
+        <p:spPr/>
+        <p:txBody>
+          <a:bodyPr/>
+          <a:lstStyle/>
+          <a:p>
+            <a:r>
+              <a:rPr lang="en-US" dirty="0"/>
               <a:t>Demo Results</a:t>
             </a:r>
           </a:p>
@@ -20514,7 +20697,7 @@
 </p:sld>
 </file>
 
-<file path=ppt/slides/slide31.xml><?xml version="1.0" encoding="utf-8"?>
+<file path=ppt/slides/slide32.xml><?xml version="1.0" encoding="utf-8"?>
 <p:sld xmlns:a="http://schemas.openxmlformats.org/drawingml/2006/main" xmlns:r="http://schemas.openxmlformats.org/officeDocument/2006/relationships" xmlns:p="http://schemas.openxmlformats.org/presentationml/2006/main">
   <p:cSld>
     <p:spTree>
@@ -20629,7 +20812,7 @@
 </p:sld>
 </file>
 
-<file path=ppt/slides/slide32.xml><?xml version="1.0" encoding="utf-8"?>
+<file path=ppt/slides/slide33.xml><?xml version="1.0" encoding="utf-8"?>
 <p:sld xmlns:a="http://schemas.openxmlformats.org/drawingml/2006/main" xmlns:r="http://schemas.openxmlformats.org/officeDocument/2006/relationships" xmlns:p="http://schemas.openxmlformats.org/presentationml/2006/main">
   <p:cSld>
     <p:spTree>
@@ -20729,7 +20912,7 @@
 </p:sld>
 </file>
 
-<file path=ppt/slides/slide33.xml><?xml version="1.0" encoding="utf-8"?>
+<file path=ppt/slides/slide34.xml><?xml version="1.0" encoding="utf-8"?>
 <p:sld xmlns:a="http://schemas.openxmlformats.org/drawingml/2006/main" xmlns:r="http://schemas.openxmlformats.org/officeDocument/2006/relationships" xmlns:p="http://schemas.openxmlformats.org/presentationml/2006/main">
   <p:cSld>
     <p:spTree>
@@ -20834,106 +21017,6 @@
 </p:sld>
 </file>
 
-<file path=ppt/slides/slide34.xml><?xml version="1.0" encoding="utf-8"?>
-<p:sld xmlns:a="http://schemas.openxmlformats.org/drawingml/2006/main" xmlns:r="http://schemas.openxmlformats.org/officeDocument/2006/relationships" xmlns:p="http://schemas.openxmlformats.org/presentationml/2006/main">
-  <p:cSld>
-    <p:spTree>
-      <p:nvGrpSpPr>
-        <p:cNvPr id="1" name=""/>
-        <p:cNvGrpSpPr/>
-        <p:nvPr/>
-      </p:nvGrpSpPr>
-      <p:grpSpPr>
-        <a:xfrm>
-          <a:off x="0" y="0"/>
-          <a:ext cx="0" cy="0"/>
-          <a:chOff x="0" y="0"/>
-          <a:chExt cx="0" cy="0"/>
-        </a:xfrm>
-      </p:grpSpPr>
-      <p:sp>
-        <p:nvSpPr>
-          <p:cNvPr id="38" name="Title 37"/>
-          <p:cNvSpPr>
-            <a:spLocks noGrp="1"/>
-          </p:cNvSpPr>
-          <p:nvPr>
-            <p:ph type="title"/>
-          </p:nvPr>
-        </p:nvSpPr>
-        <p:spPr/>
-        <p:txBody>
-          <a:bodyPr/>
-          <a:lstStyle/>
-          <a:p>
-            <a:r>
-              <a:rPr lang="en-US" dirty="0"/>
-              <a:t>Why not to shrink your log</a:t>
-            </a:r>
-          </a:p>
-        </p:txBody>
-      </p:sp>
-      <p:sp>
-        <p:nvSpPr>
-          <p:cNvPr id="47" name="Content Placeholder 46"/>
-          <p:cNvSpPr>
-            <a:spLocks noGrp="1"/>
-          </p:cNvSpPr>
-          <p:nvPr>
-            <p:ph sz="quarter" idx="11"/>
-          </p:nvPr>
-        </p:nvSpPr>
-        <p:spPr>
-          <a:xfrm>
-            <a:off x="322028" y="1002323"/>
-            <a:ext cx="8261350" cy="407104"/>
-          </a:xfrm>
-        </p:spPr>
-        <p:txBody>
-          <a:bodyPr/>
-          <a:lstStyle/>
-          <a:p>
-            <a:r>
-              <a:rPr lang="en-US" dirty="0"/>
-              <a:t>The log grew for a reason</a:t>
-            </a:r>
-          </a:p>
-          <a:p>
-            <a:r>
-              <a:rPr lang="en-US" dirty="0"/>
-              <a:t>The log will grow again</a:t>
-            </a:r>
-          </a:p>
-          <a:p>
-            <a:r>
-              <a:rPr lang="en-US" b="1" dirty="0"/>
-              <a:t>Log growth is extremely expensive</a:t>
-            </a:r>
-          </a:p>
-          <a:p>
-            <a:r>
-              <a:rPr lang="en-US" b="1" dirty="0"/>
-              <a:t>Space must be zeroed out</a:t>
-            </a:r>
-          </a:p>
-          <a:p>
-            <a:endParaRPr lang="en-US" dirty="0"/>
-          </a:p>
-        </p:txBody>
-      </p:sp>
-    </p:spTree>
-    <p:extLst>
-      <p:ext uri="{BB962C8B-B14F-4D97-AF65-F5344CB8AC3E}">
-        <p14:creationId xmlns:p14="http://schemas.microsoft.com/office/powerpoint/2010/main" val="1460554127"/>
-      </p:ext>
-    </p:extLst>
-  </p:cSld>
-  <p:clrMapOvr>
-    <a:masterClrMapping/>
-  </p:clrMapOvr>
-</p:sld>
-</file>
-
 <file path=ppt/slides/slide35.xml><?xml version="1.0" encoding="utf-8"?>
 <p:sld xmlns:a="http://schemas.openxmlformats.org/drawingml/2006/main" xmlns:r="http://schemas.openxmlformats.org/officeDocument/2006/relationships" xmlns:p="http://schemas.openxmlformats.org/presentationml/2006/main">
   <p:cSld>
@@ -20968,7 +21051,7 @@
           <a:p>
             <a:r>
               <a:rPr lang="en-US" dirty="0"/>
-              <a:t>Log space reservation</a:t>
+              <a:t>Why not to shrink your log</a:t>
             </a:r>
           </a:p>
         </p:txBody>
@@ -20995,25 +21078,25 @@
           <a:p>
             <a:r>
               <a:rPr lang="en-US" dirty="0"/>
-              <a:t>Transactions are all or nothing</a:t>
+              <a:t>The log grew for a reason</a:t>
             </a:r>
           </a:p>
           <a:p>
             <a:r>
               <a:rPr lang="en-US" dirty="0"/>
-              <a:t>SQL Server reserves log space for rollback</a:t>
-            </a:r>
-          </a:p>
-          <a:p>
-            <a:r>
-              <a:rPr lang="en-US" dirty="0"/>
-              <a:t>Reserved space is release on commit</a:t>
-            </a:r>
-          </a:p>
-          <a:p>
-            <a:r>
-              <a:rPr lang="en-US" dirty="0"/>
-              <a:t>Batch your transactions</a:t>
+              <a:t>The log will grow again</a:t>
+            </a:r>
+          </a:p>
+          <a:p>
+            <a:r>
+              <a:rPr lang="en-US" b="1" dirty="0"/>
+              <a:t>Log growth is extremely expensive</a:t>
+            </a:r>
+          </a:p>
+          <a:p>
+            <a:r>
+              <a:rPr lang="en-US" b="1" dirty="0"/>
+              <a:t>Space must be zeroed out</a:t>
             </a:r>
           </a:p>
           <a:p>
@@ -21024,7 +21107,7 @@
     </p:spTree>
     <p:extLst>
       <p:ext uri="{BB962C8B-B14F-4D97-AF65-F5344CB8AC3E}">
-        <p14:creationId xmlns:p14="http://schemas.microsoft.com/office/powerpoint/2010/main" val="3777810924"/>
+        <p14:creationId xmlns:p14="http://schemas.microsoft.com/office/powerpoint/2010/main" val="1460554127"/>
       </p:ext>
     </p:extLst>
   </p:cSld>
@@ -21068,7 +21151,7 @@
           <a:p>
             <a:r>
               <a:rPr lang="en-US" dirty="0"/>
-              <a:t>Log space reservation in action</a:t>
+              <a:t>Log space reservation</a:t>
             </a:r>
           </a:p>
         </p:txBody>
@@ -21095,19 +21178,25 @@
           <a:p>
             <a:r>
               <a:rPr lang="en-US" dirty="0"/>
-              <a:t>Application processes orders</a:t>
+              <a:t>Transactions are all or nothing</a:t>
             </a:r>
           </a:p>
           <a:p>
             <a:r>
               <a:rPr lang="en-US" dirty="0"/>
-              <a:t>Historically, the business has retained two years of data</a:t>
+              <a:t>SQL Server reserves log space for rollback</a:t>
             </a:r>
           </a:p>
           <a:p>
             <a:r>
               <a:rPr lang="en-US" dirty="0"/>
-              <a:t>The business has decided to retain two months of data</a:t>
+              <a:t>Reserved space is release on commit</a:t>
+            </a:r>
+          </a:p>
+          <a:p>
+            <a:r>
+              <a:rPr lang="en-US" dirty="0"/>
+              <a:t>Batch your transactions</a:t>
             </a:r>
           </a:p>
           <a:p>
@@ -21118,7 +21207,7 @@
     </p:spTree>
     <p:extLst>
       <p:ext uri="{BB962C8B-B14F-4D97-AF65-F5344CB8AC3E}">
-        <p14:creationId xmlns:p14="http://schemas.microsoft.com/office/powerpoint/2010/main" val="1952501827"/>
+        <p14:creationId xmlns:p14="http://schemas.microsoft.com/office/powerpoint/2010/main" val="3777810924"/>
       </p:ext>
     </p:extLst>
   </p:cSld>
@@ -21187,44 +21276,32 @@
           <a:bodyPr/>
           <a:lstStyle/>
           <a:p>
+            <a:r>
+              <a:rPr lang="en-US" dirty="0"/>
+              <a:t>Application processes orders</a:t>
+            </a:r>
+          </a:p>
+          <a:p>
+            <a:r>
+              <a:rPr lang="en-US" dirty="0"/>
+              <a:t>Historically, the business has retained two years of data</a:t>
+            </a:r>
+          </a:p>
+          <a:p>
+            <a:r>
+              <a:rPr lang="en-US" dirty="0"/>
+              <a:t>The business has decided to retain two months of data</a:t>
+            </a:r>
+          </a:p>
+          <a:p>
             <a:endParaRPr lang="en-US" dirty="0"/>
           </a:p>
         </p:txBody>
       </p:sp>
-      <p:pic>
-        <p:nvPicPr>
-          <p:cNvPr id="2" name="Picture 1">
-            <a:extLst>
-              <a:ext uri="{FF2B5EF4-FFF2-40B4-BE49-F238E27FC236}">
-                <a16:creationId xmlns:a16="http://schemas.microsoft.com/office/drawing/2014/main" id="{EE7A768F-2E4F-4DBC-AD90-986EBBB34001}"/>
-              </a:ext>
-            </a:extLst>
-          </p:cNvPr>
-          <p:cNvPicPr>
-            <a:picLocks noChangeAspect="1"/>
-          </p:cNvPicPr>
-          <p:nvPr/>
-        </p:nvPicPr>
-        <p:blipFill>
-          <a:blip r:embed="rId2"/>
-          <a:stretch>
-            <a:fillRect/>
-          </a:stretch>
-        </p:blipFill>
-        <p:spPr>
-          <a:xfrm>
-            <a:off x="1195363" y="1114414"/>
-            <a:ext cx="6753274" cy="2914671"/>
-          </a:xfrm>
-          <a:prstGeom prst="rect">
-            <a:avLst/>
-          </a:prstGeom>
-        </p:spPr>
-      </p:pic>
     </p:spTree>
     <p:extLst>
       <p:ext uri="{BB962C8B-B14F-4D97-AF65-F5344CB8AC3E}">
-        <p14:creationId xmlns:p14="http://schemas.microsoft.com/office/powerpoint/2010/main" val="1511258030"/>
+        <p14:creationId xmlns:p14="http://schemas.microsoft.com/office/powerpoint/2010/main" val="1952501827"/>
       </p:ext>
     </p:extLst>
   </p:cSld>
@@ -21253,57 +21330,84 @@
       </p:grpSpPr>
       <p:sp>
         <p:nvSpPr>
-          <p:cNvPr id="4" name="Title 3"/>
+          <p:cNvPr id="38" name="Title 37"/>
           <p:cNvSpPr>
             <a:spLocks noGrp="1"/>
           </p:cNvSpPr>
           <p:nvPr>
-            <p:ph type="ctrTitle"/>
+            <p:ph type="title"/>
           </p:nvPr>
         </p:nvSpPr>
-        <p:spPr>
-          <a:xfrm>
-            <a:off x="410805" y="1003738"/>
-            <a:ext cx="7020901" cy="706657"/>
-          </a:xfrm>
-        </p:spPr>
+        <p:spPr/>
         <p:txBody>
           <a:bodyPr/>
           <a:lstStyle/>
           <a:p>
             <a:r>
               <a:rPr lang="en-US" dirty="0"/>
-              <a:t>Log Space Reservation</a:t>
-            </a:r>
-          </a:p>
-        </p:txBody>
-      </p:sp>
-      <p:sp>
-        <p:nvSpPr>
-          <p:cNvPr id="5" name="Subtitle 4"/>
+              <a:t>Log space reservation in action</a:t>
+            </a:r>
+          </a:p>
+        </p:txBody>
+      </p:sp>
+      <p:sp>
+        <p:nvSpPr>
+          <p:cNvPr id="47" name="Content Placeholder 46"/>
           <p:cNvSpPr>
             <a:spLocks noGrp="1"/>
           </p:cNvSpPr>
           <p:nvPr>
-            <p:ph type="subTitle" idx="1"/>
+            <p:ph sz="quarter" idx="11"/>
           </p:nvPr>
         </p:nvSpPr>
-        <p:spPr/>
+        <p:spPr>
+          <a:xfrm>
+            <a:off x="322028" y="1002323"/>
+            <a:ext cx="8261350" cy="407104"/>
+          </a:xfrm>
+        </p:spPr>
         <p:txBody>
           <a:bodyPr/>
           <a:lstStyle/>
           <a:p>
-            <a:r>
-              <a:rPr lang="en-US" dirty="0"/>
-              <a:t>Demo</a:t>
-            </a:r>
-          </a:p>
-        </p:txBody>
-      </p:sp>
+            <a:endParaRPr lang="en-US" dirty="0"/>
+          </a:p>
+        </p:txBody>
+      </p:sp>
+      <p:pic>
+        <p:nvPicPr>
+          <p:cNvPr id="2" name="Picture 1">
+            <a:extLst>
+              <a:ext uri="{FF2B5EF4-FFF2-40B4-BE49-F238E27FC236}">
+                <a16:creationId xmlns:a16="http://schemas.microsoft.com/office/drawing/2014/main" id="{EE7A768F-2E4F-4DBC-AD90-986EBBB34001}"/>
+              </a:ext>
+            </a:extLst>
+          </p:cNvPr>
+          <p:cNvPicPr>
+            <a:picLocks noChangeAspect="1"/>
+          </p:cNvPicPr>
+          <p:nvPr/>
+        </p:nvPicPr>
+        <p:blipFill>
+          <a:blip r:embed="rId2"/>
+          <a:stretch>
+            <a:fillRect/>
+          </a:stretch>
+        </p:blipFill>
+        <p:spPr>
+          <a:xfrm>
+            <a:off x="1195363" y="1114414"/>
+            <a:ext cx="6753274" cy="2914671"/>
+          </a:xfrm>
+          <a:prstGeom prst="rect">
+            <a:avLst/>
+          </a:prstGeom>
+        </p:spPr>
+      </p:pic>
     </p:spTree>
     <p:extLst>
       <p:ext uri="{BB962C8B-B14F-4D97-AF65-F5344CB8AC3E}">
-        <p14:creationId xmlns:p14="http://schemas.microsoft.com/office/powerpoint/2010/main" val="2834612370"/>
+        <p14:creationId xmlns:p14="http://schemas.microsoft.com/office/powerpoint/2010/main" val="1511258030"/>
       </p:ext>
     </p:extLst>
   </p:cSld>
@@ -21332,84 +21436,57 @@
       </p:grpSpPr>
       <p:sp>
         <p:nvSpPr>
-          <p:cNvPr id="38" name="Title 37"/>
+          <p:cNvPr id="4" name="Title 3"/>
           <p:cNvSpPr>
             <a:spLocks noGrp="1"/>
           </p:cNvSpPr>
           <p:nvPr>
-            <p:ph type="title"/>
+            <p:ph type="ctrTitle"/>
           </p:nvPr>
         </p:nvSpPr>
-        <p:spPr/>
+        <p:spPr>
+          <a:xfrm>
+            <a:off x="410805" y="1003738"/>
+            <a:ext cx="7020901" cy="706657"/>
+          </a:xfrm>
+        </p:spPr>
         <p:txBody>
           <a:bodyPr/>
           <a:lstStyle/>
           <a:p>
             <a:r>
               <a:rPr lang="en-US" dirty="0"/>
-              <a:t>Rollback</a:t>
-            </a:r>
-          </a:p>
-        </p:txBody>
-      </p:sp>
-      <p:sp>
-        <p:nvSpPr>
-          <p:cNvPr id="47" name="Content Placeholder 46"/>
+              <a:t>Log Space Reservation</a:t>
+            </a:r>
+          </a:p>
+        </p:txBody>
+      </p:sp>
+      <p:sp>
+        <p:nvSpPr>
+          <p:cNvPr id="5" name="Subtitle 4"/>
           <p:cNvSpPr>
             <a:spLocks noGrp="1"/>
           </p:cNvSpPr>
           <p:nvPr>
-            <p:ph sz="quarter" idx="11"/>
+            <p:ph type="subTitle" idx="1"/>
           </p:nvPr>
         </p:nvSpPr>
-        <p:spPr>
-          <a:xfrm>
-            <a:off x="322028" y="1002323"/>
-            <a:ext cx="8261350" cy="407104"/>
-          </a:xfrm>
-        </p:spPr>
+        <p:spPr/>
         <p:txBody>
           <a:bodyPr/>
           <a:lstStyle/>
           <a:p>
             <a:r>
               <a:rPr lang="en-US" dirty="0"/>
-              <a:t>SQL Server reserves space for rollback</a:t>
-            </a:r>
-          </a:p>
-          <a:p>
-            <a:r>
-              <a:rPr lang="en-US" dirty="0"/>
-              <a:t>On rollback, an anti operation is generated</a:t>
-            </a:r>
-          </a:p>
-          <a:p>
-            <a:r>
-              <a:rPr lang="en-US" dirty="0"/>
-              <a:t>For insert, delete</a:t>
-            </a:r>
-          </a:p>
-          <a:p>
-            <a:r>
-              <a:rPr lang="en-US" dirty="0"/>
-              <a:t>For delete, insert</a:t>
-            </a:r>
-          </a:p>
-          <a:p>
-            <a:r>
-              <a:rPr lang="en-US" dirty="0"/>
-              <a:t>For update, update</a:t>
-            </a:r>
-          </a:p>
-          <a:p>
-            <a:endParaRPr lang="en-US" dirty="0"/>
+              <a:t>Demo</a:t>
+            </a:r>
           </a:p>
         </p:txBody>
       </p:sp>
     </p:spTree>
     <p:extLst>
       <p:ext uri="{BB962C8B-B14F-4D97-AF65-F5344CB8AC3E}">
-        <p14:creationId xmlns:p14="http://schemas.microsoft.com/office/powerpoint/2010/main" val="2997556353"/>
+        <p14:creationId xmlns:p14="http://schemas.microsoft.com/office/powerpoint/2010/main" val="2834612370"/>
       </p:ext>
     </p:extLst>
   </p:cSld>
@@ -21468,20 +21545,15 @@
       </p:grpSpPr>
       <p:sp>
         <p:nvSpPr>
-          <p:cNvPr id="4" name="Title 3"/>
+          <p:cNvPr id="38" name="Title 37"/>
           <p:cNvSpPr>
             <a:spLocks noGrp="1"/>
           </p:cNvSpPr>
           <p:nvPr>
-            <p:ph type="ctrTitle"/>
+            <p:ph type="title"/>
           </p:nvPr>
         </p:nvSpPr>
-        <p:spPr>
-          <a:xfrm>
-            <a:off x="410805" y="1003738"/>
-            <a:ext cx="7020901" cy="706657"/>
-          </a:xfrm>
-        </p:spPr>
+        <p:spPr/>
         <p:txBody>
           <a:bodyPr/>
           <a:lstStyle/>
@@ -21495,30 +21567,62 @@
       </p:sp>
       <p:sp>
         <p:nvSpPr>
-          <p:cNvPr id="5" name="Subtitle 4"/>
+          <p:cNvPr id="47" name="Content Placeholder 46"/>
           <p:cNvSpPr>
             <a:spLocks noGrp="1"/>
           </p:cNvSpPr>
           <p:nvPr>
-            <p:ph type="subTitle" idx="1"/>
+            <p:ph sz="quarter" idx="11"/>
           </p:nvPr>
         </p:nvSpPr>
-        <p:spPr/>
+        <p:spPr>
+          <a:xfrm>
+            <a:off x="322028" y="1002323"/>
+            <a:ext cx="8261350" cy="407104"/>
+          </a:xfrm>
+        </p:spPr>
         <p:txBody>
           <a:bodyPr/>
           <a:lstStyle/>
           <a:p>
             <a:r>
               <a:rPr lang="en-US" dirty="0"/>
-              <a:t>Demo</a:t>
-            </a:r>
+              <a:t>SQL Server reserves space for rollback</a:t>
+            </a:r>
+          </a:p>
+          <a:p>
+            <a:r>
+              <a:rPr lang="en-US" dirty="0"/>
+              <a:t>On rollback, an anti operation is generated</a:t>
+            </a:r>
+          </a:p>
+          <a:p>
+            <a:r>
+              <a:rPr lang="en-US" dirty="0"/>
+              <a:t>For insert, delete</a:t>
+            </a:r>
+          </a:p>
+          <a:p>
+            <a:r>
+              <a:rPr lang="en-US" dirty="0"/>
+              <a:t>For delete, insert</a:t>
+            </a:r>
+          </a:p>
+          <a:p>
+            <a:r>
+              <a:rPr lang="en-US" dirty="0"/>
+              <a:t>For update, update</a:t>
+            </a:r>
+          </a:p>
+          <a:p>
+            <a:endParaRPr lang="en-US" dirty="0"/>
           </a:p>
         </p:txBody>
       </p:sp>
     </p:spTree>
     <p:extLst>
       <p:ext uri="{BB962C8B-B14F-4D97-AF65-F5344CB8AC3E}">
-        <p14:creationId xmlns:p14="http://schemas.microsoft.com/office/powerpoint/2010/main" val="1585936602"/>
+        <p14:creationId xmlns:p14="http://schemas.microsoft.com/office/powerpoint/2010/main" val="2997556353"/>
       </p:ext>
     </p:extLst>
   </p:cSld>
@@ -21547,6 +21651,85 @@
       </p:grpSpPr>
       <p:sp>
         <p:nvSpPr>
+          <p:cNvPr id="4" name="Title 3"/>
+          <p:cNvSpPr>
+            <a:spLocks noGrp="1"/>
+          </p:cNvSpPr>
+          <p:nvPr>
+            <p:ph type="ctrTitle"/>
+          </p:nvPr>
+        </p:nvSpPr>
+        <p:spPr>
+          <a:xfrm>
+            <a:off x="410805" y="1003738"/>
+            <a:ext cx="7020901" cy="706657"/>
+          </a:xfrm>
+        </p:spPr>
+        <p:txBody>
+          <a:bodyPr/>
+          <a:lstStyle/>
+          <a:p>
+            <a:r>
+              <a:rPr lang="en-US" dirty="0"/>
+              <a:t>Rollback</a:t>
+            </a:r>
+          </a:p>
+        </p:txBody>
+      </p:sp>
+      <p:sp>
+        <p:nvSpPr>
+          <p:cNvPr id="5" name="Subtitle 4"/>
+          <p:cNvSpPr>
+            <a:spLocks noGrp="1"/>
+          </p:cNvSpPr>
+          <p:nvPr>
+            <p:ph type="subTitle" idx="1"/>
+          </p:nvPr>
+        </p:nvSpPr>
+        <p:spPr/>
+        <p:txBody>
+          <a:bodyPr/>
+          <a:lstStyle/>
+          <a:p>
+            <a:r>
+              <a:rPr lang="en-US" dirty="0"/>
+              <a:t>Demo</a:t>
+            </a:r>
+          </a:p>
+        </p:txBody>
+      </p:sp>
+    </p:spTree>
+    <p:extLst>
+      <p:ext uri="{BB962C8B-B14F-4D97-AF65-F5344CB8AC3E}">
+        <p14:creationId xmlns:p14="http://schemas.microsoft.com/office/powerpoint/2010/main" val="1585936602"/>
+      </p:ext>
+    </p:extLst>
+  </p:cSld>
+  <p:clrMapOvr>
+    <a:masterClrMapping/>
+  </p:clrMapOvr>
+</p:sld>
+</file>
+
+<file path=ppt/slides/slide42.xml><?xml version="1.0" encoding="utf-8"?>
+<p:sld xmlns:a="http://schemas.openxmlformats.org/drawingml/2006/main" xmlns:r="http://schemas.openxmlformats.org/officeDocument/2006/relationships" xmlns:p="http://schemas.openxmlformats.org/presentationml/2006/main">
+  <p:cSld>
+    <p:spTree>
+      <p:nvGrpSpPr>
+        <p:cNvPr id="1" name=""/>
+        <p:cNvGrpSpPr/>
+        <p:nvPr/>
+      </p:nvGrpSpPr>
+      <p:grpSpPr>
+        <a:xfrm>
+          <a:off x="0" y="0"/>
+          <a:ext cx="0" cy="0"/>
+          <a:chOff x="0" y="0"/>
+          <a:chExt cx="0" cy="0"/>
+        </a:xfrm>
+      </p:grpSpPr>
+      <p:sp>
+        <p:nvSpPr>
           <p:cNvPr id="38" name="Title 37"/>
           <p:cNvSpPr>
             <a:spLocks noGrp="1"/>
@@ -21610,6 +21793,24 @@
               </a:rPr>
               <a:t>https://www.sqlskills.com/blogs/paul/category/transaction-log/</a:t>
             </a:r>
+            <a:endParaRPr lang="en-US" dirty="0"/>
+          </a:p>
+          <a:p>
+            <a:r>
+              <a:rPr lang="en-US" dirty="0"/>
+              <a:t>Presentation Scripts and Slides</a:t>
+            </a:r>
+          </a:p>
+          <a:p>
+            <a:r>
+              <a:rPr lang="en-US">
+                <a:hlinkClick r:id="rId4"/>
+              </a:rPr>
+              <a:t>http://bit.ly/IntroToTheTranLog2018</a:t>
+            </a:r>
+            <a:endParaRPr lang="en-US"/>
+          </a:p>
+          <a:p>
             <a:endParaRPr lang="en-US" dirty="0"/>
           </a:p>
           <a:p>
@@ -21630,7 +21831,7 @@
 </p:sld>
 </file>
 
-<file path=ppt/slides/slide42.xml><?xml version="1.0" encoding="utf-8"?>
+<file path=ppt/slides/slide43.xml><?xml version="1.0" encoding="utf-8"?>
 <p:sld xmlns:a="http://schemas.openxmlformats.org/drawingml/2006/main" xmlns:r="http://schemas.openxmlformats.org/officeDocument/2006/relationships" xmlns:p="http://schemas.openxmlformats.org/presentationml/2006/main">
   <p:cSld>
     <p:spTree>
@@ -22581,7 +22782,7 @@
 </p:sld>
 </file>
 
-<file path=ppt/slides/slide43.xml><?xml version="1.0" encoding="utf-8"?>
+<file path=ppt/slides/slide44.xml><?xml version="1.0" encoding="utf-8"?>
 <p:sld xmlns:a="http://schemas.openxmlformats.org/drawingml/2006/main" xmlns:r="http://schemas.openxmlformats.org/officeDocument/2006/relationships" xmlns:p="http://schemas.openxmlformats.org/presentationml/2006/main">
   <p:cSld>
     <p:spTree>
@@ -25203,65 +25404,8 @@
             </a:pPr>
             <a:r>
               <a:rPr lang="en-US" dirty="0"/>
-              <a:t>What is a transaction?</a:t>
-            </a:r>
-          </a:p>
-          <a:p>
-            <a:pPr marL="0" lvl="0" indent="0">
-              <a:buNone/>
-            </a:pPr>
-            <a:r>
-              <a:rPr lang="en-US" dirty="0"/>
-              <a:t>ACID Properties</a:t>
-            </a:r>
-          </a:p>
-          <a:p>
-            <a:pPr marL="0" lvl="0" indent="0">
-              <a:buNone/>
-            </a:pPr>
-            <a:r>
-              <a:rPr lang="en-US" dirty="0"/>
-              <a:t>Transaction log architecture</a:t>
-            </a:r>
-          </a:p>
-          <a:p>
-            <a:pPr marL="0" lvl="0" indent="0">
-              <a:buNone/>
-            </a:pPr>
-            <a:r>
-              <a:rPr lang="en-US" dirty="0"/>
-              <a:t>Virtual log files </a:t>
-            </a:r>
-          </a:p>
-          <a:p>
-            <a:pPr marL="0" lvl="0" indent="0">
-              <a:buNone/>
-            </a:pPr>
-            <a:r>
-              <a:rPr lang="en-US" dirty="0"/>
-              <a:t>Log space reservation</a:t>
-            </a:r>
-          </a:p>
-          <a:p>
-            <a:pPr marL="0" lvl="0" indent="0">
-              <a:buNone/>
-            </a:pPr>
-            <a:r>
-              <a:rPr lang="en-US" dirty="0"/>
-              <a:t>Batching transactions</a:t>
-            </a:r>
-          </a:p>
-          <a:p>
-            <a:pPr marL="0" lvl="0" indent="0">
-              <a:buNone/>
-            </a:pPr>
-            <a:r>
-              <a:rPr lang="en-US" dirty="0"/>
-              <a:t>Rollback activity</a:t>
-            </a:r>
-          </a:p>
-          <a:p>
-            <a:endParaRPr lang="en-US" dirty="0"/>
+              <a:t>http://bit.ly/IntroToTheTranLog2018</a:t>
+            </a:r>
           </a:p>
         </p:txBody>
       </p:sp>
@@ -25282,7 +25426,7 @@
           <a:p>
             <a:r>
               <a:rPr lang="en-US" dirty="0"/>
-              <a:t>Agenda</a:t>
+              <a:t>Scripts and Slides</a:t>
             </a:r>
           </a:p>
         </p:txBody>
@@ -25319,7 +25463,94 @@
       </p:grpSpPr>
       <p:sp>
         <p:nvSpPr>
-          <p:cNvPr id="38" name="Title 37"/>
+          <p:cNvPr id="7" name="Content Placeholder 6"/>
+          <p:cNvSpPr>
+            <a:spLocks noGrp="1"/>
+          </p:cNvSpPr>
+          <p:nvPr>
+            <p:ph sz="quarter" idx="10"/>
+          </p:nvPr>
+        </p:nvSpPr>
+        <p:spPr>
+          <a:xfrm>
+            <a:off x="286723" y="1022025"/>
+            <a:ext cx="8242300" cy="1964387"/>
+          </a:xfrm>
+        </p:spPr>
+        <p:txBody>
+          <a:bodyPr/>
+          <a:lstStyle/>
+          <a:p>
+            <a:pPr marL="0" lvl="0" indent="0">
+              <a:buNone/>
+            </a:pPr>
+            <a:r>
+              <a:rPr lang="en-US" dirty="0"/>
+              <a:t>What is a transaction?</a:t>
+            </a:r>
+          </a:p>
+          <a:p>
+            <a:pPr marL="0" lvl="0" indent="0">
+              <a:buNone/>
+            </a:pPr>
+            <a:r>
+              <a:rPr lang="en-US" dirty="0"/>
+              <a:t>ACID Properties</a:t>
+            </a:r>
+          </a:p>
+          <a:p>
+            <a:pPr marL="0" lvl="0" indent="0">
+              <a:buNone/>
+            </a:pPr>
+            <a:r>
+              <a:rPr lang="en-US" dirty="0"/>
+              <a:t>Transaction log architecture</a:t>
+            </a:r>
+          </a:p>
+          <a:p>
+            <a:pPr marL="0" lvl="0" indent="0">
+              <a:buNone/>
+            </a:pPr>
+            <a:r>
+              <a:rPr lang="en-US" dirty="0"/>
+              <a:t>Virtual log files </a:t>
+            </a:r>
+          </a:p>
+          <a:p>
+            <a:pPr marL="0" lvl="0" indent="0">
+              <a:buNone/>
+            </a:pPr>
+            <a:r>
+              <a:rPr lang="en-US" dirty="0"/>
+              <a:t>Log space reservation</a:t>
+            </a:r>
+          </a:p>
+          <a:p>
+            <a:pPr marL="0" lvl="0" indent="0">
+              <a:buNone/>
+            </a:pPr>
+            <a:r>
+              <a:rPr lang="en-US" dirty="0"/>
+              <a:t>Batching transactions</a:t>
+            </a:r>
+          </a:p>
+          <a:p>
+            <a:pPr marL="0" lvl="0" indent="0">
+              <a:buNone/>
+            </a:pPr>
+            <a:r>
+              <a:rPr lang="en-US" dirty="0"/>
+              <a:t>Rollback activity</a:t>
+            </a:r>
+          </a:p>
+          <a:p>
+            <a:endParaRPr lang="en-US" dirty="0"/>
+          </a:p>
+        </p:txBody>
+      </p:sp>
+      <p:sp>
+        <p:nvSpPr>
+          <p:cNvPr id="2" name="Title 1"/>
           <p:cNvSpPr>
             <a:spLocks noGrp="1"/>
           </p:cNvSpPr>
@@ -25334,67 +25565,15 @@
           <a:p>
             <a:r>
               <a:rPr lang="en-US" dirty="0"/>
-              <a:t>What is a transaction?</a:t>
-            </a:r>
-          </a:p>
-        </p:txBody>
-      </p:sp>
-      <p:sp>
-        <p:nvSpPr>
-          <p:cNvPr id="47" name="Content Placeholder 46"/>
-          <p:cNvSpPr>
-            <a:spLocks noGrp="1"/>
-          </p:cNvSpPr>
-          <p:nvPr>
-            <p:ph sz="quarter" idx="11"/>
-          </p:nvPr>
-        </p:nvSpPr>
-        <p:spPr>
-          <a:xfrm>
-            <a:off x="322028" y="1002323"/>
-            <a:ext cx="8261350" cy="407104"/>
-          </a:xfrm>
-        </p:spPr>
-        <p:txBody>
-          <a:bodyPr/>
-          <a:lstStyle/>
-          <a:p>
-            <a:pPr lvl="0"/>
-            <a:r>
-              <a:rPr lang="en-US" dirty="0"/>
-              <a:t>A unit of work in the database</a:t>
-            </a:r>
-          </a:p>
-          <a:p>
-            <a:pPr lvl="0"/>
-            <a:r>
-              <a:rPr lang="en-US" dirty="0"/>
-              <a:t>SQL Server performs all changes to data and schema in transactions</a:t>
-            </a:r>
-          </a:p>
-          <a:p>
-            <a:pPr lvl="0"/>
-            <a:r>
-              <a:rPr lang="en-US" dirty="0"/>
-              <a:t>All transactions begin</a:t>
-            </a:r>
-          </a:p>
-          <a:p>
-            <a:pPr lvl="0"/>
-            <a:r>
-              <a:rPr lang="en-US"/>
-              <a:t>Transactions can commit or rollback</a:t>
-            </a:r>
-          </a:p>
-          <a:p>
-            <a:endParaRPr lang="en-US" dirty="0"/>
+              <a:t>Agenda</a:t>
+            </a:r>
           </a:p>
         </p:txBody>
       </p:sp>
     </p:spTree>
     <p:extLst>
       <p:ext uri="{BB962C8B-B14F-4D97-AF65-F5344CB8AC3E}">
-        <p14:creationId xmlns:p14="http://schemas.microsoft.com/office/powerpoint/2010/main" val="4071397538"/>
+        <p14:creationId xmlns:p14="http://schemas.microsoft.com/office/powerpoint/2010/main" val="1494935185"/>
       </p:ext>
     </p:extLst>
   </p:cSld>
@@ -25438,7 +25617,7 @@
           <a:p>
             <a:r>
               <a:rPr lang="en-US" dirty="0"/>
-              <a:t>Transactions</a:t>
+              <a:t>What is a transaction?</a:t>
             </a:r>
           </a:p>
         </p:txBody>
@@ -25463,117 +25642,31 @@
           <a:bodyPr/>
           <a:lstStyle/>
           <a:p>
-            <a:pPr lvl="0">
-              <a:buClr>
-                <a:srgbClr val="33C0CD"/>
-              </a:buClr>
-            </a:pPr>
-            <a:r>
-              <a:rPr lang="en-US" sz="2800" dirty="0">
-                <a:solidFill>
-                  <a:srgbClr val="F0493E"/>
-                </a:solidFill>
-                <a:latin typeface="Segoe UI Light" charset="0"/>
-                <a:cs typeface="Segoe UI Light" charset="0"/>
-              </a:rPr>
-              <a:t>Two Types of Transactions</a:t>
-            </a:r>
-          </a:p>
-          <a:p>
-            <a:pPr marL="0" lvl="1" indent="0">
-              <a:buNone/>
-            </a:pPr>
-            <a:r>
-              <a:rPr lang="en-US" dirty="0">
-                <a:latin typeface="Segoe UI" panose="020B0502040204020203" pitchFamily="34" charset="0"/>
-                <a:cs typeface="Segoe UI" panose="020B0502040204020203" pitchFamily="34" charset="0"/>
-              </a:rPr>
-              <a:t>Explicit</a:t>
-            </a:r>
-          </a:p>
-          <a:p>
-            <a:pPr lvl="2"/>
+            <a:pPr lvl="0"/>
             <a:r>
               <a:rPr lang="en-US" dirty="0"/>
-              <a:t>BEGIN TRANSACTION…COMMIT TRANSACTION explicitly coded</a:t>
-            </a:r>
-          </a:p>
-          <a:p>
-            <a:pPr marL="0" lvl="1" indent="0">
-              <a:buNone/>
-            </a:pPr>
-            <a:r>
-              <a:rPr lang="en-US" dirty="0">
-                <a:latin typeface="Segoe UI" panose="020B0502040204020203" pitchFamily="34" charset="0"/>
-                <a:cs typeface="Segoe UI" panose="020B0502040204020203" pitchFamily="34" charset="0"/>
-              </a:rPr>
-              <a:t>Implicit</a:t>
-            </a:r>
-          </a:p>
-          <a:p>
-            <a:pPr lvl="2"/>
+              <a:t>A unit of work in the database</a:t>
+            </a:r>
+          </a:p>
+          <a:p>
+            <a:pPr lvl="0"/>
             <a:r>
               <a:rPr lang="en-US" dirty="0"/>
-              <a:t>BEGIN TRANSACTION…COMMIT TRANSACTION inserted by SQL</a:t>
-            </a:r>
-          </a:p>
-          <a:p>
-            <a:pPr lvl="0">
-              <a:buClr>
-                <a:srgbClr val="33C0CD"/>
-              </a:buClr>
-            </a:pPr>
-            <a:r>
-              <a:rPr lang="en-US" sz="2800" dirty="0">
-                <a:solidFill>
-                  <a:srgbClr val="F0493E"/>
-                </a:solidFill>
-                <a:latin typeface="Segoe UI Light" charset="0"/>
-                <a:cs typeface="Segoe UI Light" charset="0"/>
-              </a:rPr>
-              <a:t>Two Types of Rollbacks</a:t>
-            </a:r>
-          </a:p>
-          <a:p>
-            <a:pPr marL="0" lvl="1" indent="0">
-              <a:buNone/>
-            </a:pPr>
-            <a:r>
-              <a:rPr lang="en-US" dirty="0">
-                <a:solidFill>
-                  <a:srgbClr val="000000"/>
-                </a:solidFill>
-                <a:latin typeface="Segoe UI" panose="020B0502040204020203" pitchFamily="34" charset="0"/>
-                <a:cs typeface="Segoe UI" panose="020B0502040204020203" pitchFamily="34" charset="0"/>
-              </a:rPr>
-              <a:t>Explicit</a:t>
-            </a:r>
-            <a:endParaRPr lang="en-US" dirty="0"/>
-          </a:p>
-          <a:p>
-            <a:pPr lvl="2"/>
+              <a:t>SQL Server performs all changes to data and schema in transactions</a:t>
+            </a:r>
+          </a:p>
+          <a:p>
+            <a:pPr lvl="0"/>
             <a:r>
               <a:rPr lang="en-US" dirty="0"/>
-              <a:t>ROLLBACK TRANSACTION explicitly coded</a:t>
-            </a:r>
-          </a:p>
-          <a:p>
-            <a:pPr marL="0" lvl="1" indent="0">
-              <a:buNone/>
-            </a:pPr>
-            <a:r>
-              <a:rPr lang="en-US" dirty="0">
-                <a:latin typeface="Segoe UI" panose="020B0502040204020203" pitchFamily="34" charset="0"/>
-                <a:cs typeface="Segoe UI" panose="020B0502040204020203" pitchFamily="34" charset="0"/>
-              </a:rPr>
-              <a:t>Implicit</a:t>
-            </a:r>
-          </a:p>
-          <a:p>
-            <a:pPr lvl="2"/>
-            <a:r>
-              <a:rPr lang="en-US" dirty="0"/>
-              <a:t>Rollback caused by KILL or crash</a:t>
+              <a:t>All transactions begin</a:t>
+            </a:r>
+          </a:p>
+          <a:p>
+            <a:pPr lvl="0"/>
+            <a:r>
+              <a:rPr lang="en-US"/>
+              <a:t>Transactions can commit or rollback</a:t>
             </a:r>
           </a:p>
           <a:p>
@@ -25584,7 +25677,7 @@
     </p:spTree>
     <p:extLst>
       <p:ext uri="{BB962C8B-B14F-4D97-AF65-F5344CB8AC3E}">
-        <p14:creationId xmlns:p14="http://schemas.microsoft.com/office/powerpoint/2010/main" val="1747043366"/>
+        <p14:creationId xmlns:p14="http://schemas.microsoft.com/office/powerpoint/2010/main" val="4071397538"/>
       </p:ext>
     </p:extLst>
   </p:cSld>
@@ -25627,10 +25720,9 @@
           <a:lstStyle/>
           <a:p>
             <a:r>
-              <a:rPr lang="en-CA" dirty="0"/>
-              <a:t>ACID Properties	</a:t>
-            </a:r>
-            <a:endParaRPr lang="en-US" dirty="0"/>
+              <a:rPr lang="en-US" dirty="0"/>
+              <a:t>Transactions</a:t>
+            </a:r>
           </a:p>
         </p:txBody>
       </p:sp>
@@ -25667,7 +25759,7 @@
                 <a:latin typeface="Segoe UI Light" charset="0"/>
                 <a:cs typeface="Segoe UI Light" charset="0"/>
               </a:rPr>
-              <a:t>Atomicity</a:t>
+              <a:t>Two Types of Transactions</a:t>
             </a:r>
           </a:p>
           <a:p>
@@ -25675,8 +25767,37 @@
               <a:buNone/>
             </a:pPr>
             <a:r>
-              <a:rPr lang="en-CA" dirty="0"/>
-              <a:t>Transactions are all-or-nothing</a:t>
+              <a:rPr lang="en-US" dirty="0">
+                <a:latin typeface="Segoe UI" panose="020B0502040204020203" pitchFamily="34" charset="0"/>
+                <a:cs typeface="Segoe UI" panose="020B0502040204020203" pitchFamily="34" charset="0"/>
+              </a:rPr>
+              <a:t>Explicit</a:t>
+            </a:r>
+          </a:p>
+          <a:p>
+            <a:pPr lvl="2"/>
+            <a:r>
+              <a:rPr lang="en-US" dirty="0"/>
+              <a:t>BEGIN TRANSACTION…COMMIT TRANSACTION explicitly coded</a:t>
+            </a:r>
+          </a:p>
+          <a:p>
+            <a:pPr marL="0" lvl="1" indent="0">
+              <a:buNone/>
+            </a:pPr>
+            <a:r>
+              <a:rPr lang="en-US" dirty="0">
+                <a:latin typeface="Segoe UI" panose="020B0502040204020203" pitchFamily="34" charset="0"/>
+                <a:cs typeface="Segoe UI" panose="020B0502040204020203" pitchFamily="34" charset="0"/>
+              </a:rPr>
+              <a:t>Implicit</a:t>
+            </a:r>
+          </a:p>
+          <a:p>
+            <a:pPr lvl="2"/>
+            <a:r>
+              <a:rPr lang="en-US" dirty="0"/>
+              <a:t>BEGIN TRANSACTION…COMMIT TRANSACTION inserted by SQL</a:t>
             </a:r>
           </a:p>
           <a:p>
@@ -25693,7 +25814,7 @@
                 <a:latin typeface="Segoe UI Light" charset="0"/>
                 <a:cs typeface="Segoe UI Light" charset="0"/>
               </a:rPr>
-              <a:t>Consistency</a:t>
+              <a:t>Two Types of Rollbacks</a:t>
             </a:r>
           </a:p>
           <a:p>
@@ -25701,25 +25822,22 @@
               <a:buNone/>
             </a:pPr>
             <a:r>
-              <a:rPr lang="en-CA" dirty="0"/>
-              <a:t>Transactions must leave the database in a consistent state</a:t>
-            </a:r>
-          </a:p>
-          <a:p>
-            <a:pPr lvl="0">
-              <a:buClr>
-                <a:srgbClr val="33C0CD"/>
-              </a:buClr>
-            </a:pPr>
-            <a:r>
-              <a:rPr lang="en-US" sz="2800" dirty="0">
+              <a:rPr lang="en-US" dirty="0">
                 <a:solidFill>
-                  <a:srgbClr val="F0493E"/>
+                  <a:srgbClr val="000000"/>
                 </a:solidFill>
-                <a:latin typeface="Segoe UI Light" charset="0"/>
-                <a:cs typeface="Segoe UI Light" charset="0"/>
+                <a:latin typeface="Segoe UI" panose="020B0502040204020203" pitchFamily="34" charset="0"/>
+                <a:cs typeface="Segoe UI" panose="020B0502040204020203" pitchFamily="34" charset="0"/>
               </a:rPr>
-              <a:t>Isolation</a:t>
+              <a:t>Explicit</a:t>
+            </a:r>
+            <a:endParaRPr lang="en-US" dirty="0"/>
+          </a:p>
+          <a:p>
+            <a:pPr lvl="2"/>
+            <a:r>
+              <a:rPr lang="en-US" dirty="0"/>
+              <a:t>ROLLBACK TRANSACTION explicitly coded</a:t>
             </a:r>
           </a:p>
           <a:p>
@@ -25727,34 +25845,18 @@
               <a:buNone/>
             </a:pPr>
             <a:r>
-              <a:rPr lang="en-CA" dirty="0"/>
-              <a:t>Transaction cannot conflict with one another </a:t>
-            </a:r>
-          </a:p>
-          <a:p>
-            <a:pPr lvl="0">
-              <a:buClr>
-                <a:srgbClr val="33C0CD"/>
-              </a:buClr>
-            </a:pPr>
-            <a:r>
-              <a:rPr lang="en-US" sz="2800" dirty="0">
-                <a:solidFill>
-                  <a:srgbClr val="F0493E"/>
-                </a:solidFill>
-                <a:latin typeface="Segoe UI Light" charset="0"/>
-                <a:cs typeface="Segoe UI Light" charset="0"/>
+              <a:rPr lang="en-US" dirty="0">
+                <a:latin typeface="Segoe UI" panose="020B0502040204020203" pitchFamily="34" charset="0"/>
+                <a:cs typeface="Segoe UI" panose="020B0502040204020203" pitchFamily="34" charset="0"/>
               </a:rPr>
-              <a:t>Durability</a:t>
-            </a:r>
-          </a:p>
-          <a:p>
-            <a:pPr marL="0" lvl="1" indent="0">
-              <a:buNone/>
-            </a:pPr>
-            <a:r>
-              <a:rPr lang="en-CA" dirty="0"/>
-              <a:t>A committed transaction must be persisted</a:t>
+              <a:t>Implicit</a:t>
+            </a:r>
+          </a:p>
+          <a:p>
+            <a:pPr lvl="2"/>
+            <a:r>
+              <a:rPr lang="en-US" dirty="0"/>
+              <a:t>Rollback caused by KILL or crash</a:t>
             </a:r>
           </a:p>
           <a:p>
@@ -25765,7 +25867,7 @@
     </p:spTree>
     <p:extLst>
       <p:ext uri="{BB962C8B-B14F-4D97-AF65-F5344CB8AC3E}">
-        <p14:creationId xmlns:p14="http://schemas.microsoft.com/office/powerpoint/2010/main" val="1845504727"/>
+        <p14:creationId xmlns:p14="http://schemas.microsoft.com/office/powerpoint/2010/main" val="1747043366"/>
       </p:ext>
     </p:extLst>
   </p:cSld>

--- a/TranLogDemoSummit/IntroToTheTranLogFinalDraft.pptx
+++ b/TranLogDemoSummit/IntroToTheTranLogFinalDraft.pptx
@@ -383,7 +383,7 @@
           <a:p>
             <a:fld id="{2FDEA226-1950-9346-BBCC-45D214247BC3}" type="datetimeFigureOut">
               <a:rPr lang="en-US" smtClean="0"/>
-              <a:t>11/8/2018</a:t>
+              <a:t>11/9/2018</a:t>
             </a:fld>
             <a:endParaRPr lang="en-US" dirty="0"/>
           </a:p>
@@ -483,7 +483,7 @@
           <a:p>
             <a:fld id="{A76353FC-0869-45D3-95AF-CC29198471C2}" type="datetimeFigureOut">
               <a:rPr lang="en-US" smtClean="0"/>
-              <a:t>11/8/2018</a:t>
+              <a:t>11/9/2018</a:t>
             </a:fld>
             <a:endParaRPr lang="en-US" dirty="0"/>
           </a:p>
@@ -20765,10 +20765,10 @@
       </p:sp>
       <p:pic>
         <p:nvPicPr>
-          <p:cNvPr id="5" name="Picture 4">
+          <p:cNvPr id="2" name="Picture 1">
             <a:extLst>
               <a:ext uri="{FF2B5EF4-FFF2-40B4-BE49-F238E27FC236}">
-                <a16:creationId xmlns:a16="http://schemas.microsoft.com/office/drawing/2014/main" id="{BEFEF2BB-30B6-4502-BA0E-0923ABEAB621}"/>
+                <a16:creationId xmlns:a16="http://schemas.microsoft.com/office/drawing/2014/main" id="{FCB17A5A-A216-477E-9661-CB98D286E3A3}"/>
               </a:ext>
             </a:extLst>
           </p:cNvPr>
@@ -20778,21 +20778,15 @@
           <p:nvPr/>
         </p:nvPicPr>
         <p:blipFill>
-          <a:blip r:embed="rId2">
-            <a:extLst>
-              <a:ext uri="{28A0092B-C50C-407E-A947-70E740481C1C}">
-                <a14:useLocalDpi xmlns:a14="http://schemas.microsoft.com/office/drawing/2010/main" val="0"/>
-              </a:ext>
-            </a:extLst>
-          </a:blip>
+          <a:blip r:embed="rId2"/>
           <a:stretch>
             <a:fillRect/>
           </a:stretch>
         </p:blipFill>
         <p:spPr>
           <a:xfrm>
-            <a:off x="802453" y="1798305"/>
-            <a:ext cx="7539093" cy="1038233"/>
+            <a:off x="840554" y="2209797"/>
+            <a:ext cx="7462892" cy="723905"/>
           </a:xfrm>
           <a:prstGeom prst="rect">
             <a:avLst/>
@@ -21398,6 +21392,36 @@
           <a:xfrm>
             <a:off x="1195363" y="1114414"/>
             <a:ext cx="6753274" cy="2914671"/>
+          </a:xfrm>
+          <a:prstGeom prst="rect">
+            <a:avLst/>
+          </a:prstGeom>
+        </p:spPr>
+      </p:pic>
+      <p:pic>
+        <p:nvPicPr>
+          <p:cNvPr id="3" name="Picture 2">
+            <a:extLst>
+              <a:ext uri="{FF2B5EF4-FFF2-40B4-BE49-F238E27FC236}">
+                <a16:creationId xmlns:a16="http://schemas.microsoft.com/office/drawing/2014/main" id="{C9C9349E-7A35-4BE4-AB95-D14180C2C2B1}"/>
+              </a:ext>
+            </a:extLst>
+          </p:cNvPr>
+          <p:cNvPicPr>
+            <a:picLocks noChangeAspect="1"/>
+          </p:cNvPicPr>
+          <p:nvPr/>
+        </p:nvPicPr>
+        <p:blipFill>
+          <a:blip r:embed="rId3"/>
+          <a:stretch>
+            <a:fillRect/>
+          </a:stretch>
+        </p:blipFill>
+        <p:spPr>
+          <a:xfrm>
+            <a:off x="202374" y="1097745"/>
+            <a:ext cx="8739251" cy="2948009"/>
           </a:xfrm>
           <a:prstGeom prst="rect">
             <a:avLst/>
@@ -25403,9 +25427,30 @@
               <a:buNone/>
             </a:pPr>
             <a:r>
-              <a:rPr lang="en-US" dirty="0"/>
+              <a:rPr lang="en-US" dirty="0">
+                <a:hlinkClick r:id="rId2"/>
+              </a:rPr>
               <a:t>http://bit.ly/IntroToTheTranLog2018</a:t>
             </a:r>
+            <a:endParaRPr lang="en-US" dirty="0"/>
+          </a:p>
+          <a:p>
+            <a:pPr marL="0" lvl="0" indent="0">
+              <a:buNone/>
+            </a:pPr>
+            <a:r>
+              <a:rPr lang="en-US" dirty="0">
+                <a:hlinkClick r:id="rId3"/>
+              </a:rPr>
+              <a:t>www.skreebydba.com</a:t>
+            </a:r>
+            <a:endParaRPr lang="en-US" dirty="0"/>
+          </a:p>
+          <a:p>
+            <a:pPr marL="0" lvl="0" indent="0">
+              <a:buNone/>
+            </a:pPr>
+            <a:endParaRPr lang="en-US" dirty="0"/>
           </a:p>
         </p:txBody>
       </p:sp>
@@ -25426,7 +25471,7 @@
           <a:p>
             <a:r>
               <a:rPr lang="en-US" dirty="0"/>
-              <a:t>Scripts and Slides</a:t>
+              <a:t>Scripts and Slides and Other Fun Stuff</a:t>
             </a:r>
           </a:p>
         </p:txBody>
